--- a/Documents and Preparation/Performance optimization by identifying and correcting bad SQL code.pptx
+++ b/Documents and Preparation/Performance optimization by identifying and correcting bad SQL code.pptx
@@ -171,7 +171,7 @@
 <file path=ppt/revisionInfo.xml><?xml version="1.0" encoding="utf-8"?>
 <p1510:revInfo xmlns:a="http://schemas.openxmlformats.org/drawingml/2006/main" xmlns:r="http://schemas.openxmlformats.org/officeDocument/2006/relationships" xmlns:p1510="http://schemas.microsoft.com/office/powerpoint/2015/10/main">
   <p1510:revLst>
-    <p1510:client id="{5FE6A977-828B-4359-92F0-4AA3261FBD7C}" v="73" dt="2024-12-29T10:36:30.761"/>
+    <p1510:client id="{92FE94FD-0D89-4C07-BFFD-690AECC17762}" v="1" dt="2025-01-02T06:45:11.112"/>
   </p1510:revLst>
 </p1510:revInfo>
 </file>
@@ -1232,6 +1232,30 @@
       </pc:sldMasterChg>
     </pc:docChg>
   </pc:docChgLst>
+  <pc:docChgLst>
+    <pc:chgData name="Uwe Ricken" userId="f02567aecbed924b" providerId="LiveId" clId="{92FE94FD-0D89-4C07-BFFD-690AECC17762}"/>
+    <pc:docChg chg="modSld">
+      <pc:chgData name="Uwe Ricken" userId="f02567aecbed924b" providerId="LiveId" clId="{92FE94FD-0D89-4C07-BFFD-690AECC17762}" dt="2025-01-02T06:45:16.877" v="1" actId="20577"/>
+      <pc:docMkLst>
+        <pc:docMk/>
+      </pc:docMkLst>
+      <pc:sldChg chg="modSp mod">
+        <pc:chgData name="Uwe Ricken" userId="f02567aecbed924b" providerId="LiveId" clId="{92FE94FD-0D89-4C07-BFFD-690AECC17762}" dt="2025-01-02T06:45:16.877" v="1" actId="20577"/>
+        <pc:sldMkLst>
+          <pc:docMk/>
+          <pc:sldMk cId="3550364278" sldId="349"/>
+        </pc:sldMkLst>
+        <pc:spChg chg="mod">
+          <ac:chgData name="Uwe Ricken" userId="f02567aecbed924b" providerId="LiveId" clId="{92FE94FD-0D89-4C07-BFFD-690AECC17762}" dt="2025-01-02T06:45:16.877" v="1" actId="20577"/>
+          <ac:spMkLst>
+            <pc:docMk/>
+            <pc:sldMk cId="3550364278" sldId="349"/>
+            <ac:spMk id="3" creationId="{1CC3EFE6-35B9-9AA1-35A3-B1D8A4A7FE9F}"/>
+          </ac:spMkLst>
+        </pc:spChg>
+      </pc:sldChg>
+    </pc:docChg>
+  </pc:docChgLst>
 </pc:chgInfo>
 </file>
 
@@ -1317,7 +1341,7 @@
           <a:p>
             <a:fld id="{54B63C78-F46A-42B2-BCDE-B4D920D39058}" type="datetimeFigureOut">
               <a:rPr lang="de-DE" smtClean="0"/>
-              <a:t>29.12.2024</a:t>
+              <a:t>02.01.2025</a:t>
             </a:fld>
             <a:endParaRPr lang="de-DE"/>
           </a:p>
@@ -12328,7 +12352,7 @@
               <a:rPr lang="en-US" sz="1600" dirty="0">
                 <a:hlinkClick r:id="rId3"/>
               </a:rPr>
-              <a:t>https://github.com/uricken1964/Workshop---Making-Bad-Codes-Better</a:t>
+              <a:t>https://github.com/db-berater/speedup-your-sql-code</a:t>
             </a:r>
             <a:endParaRPr lang="en-US" sz="1600" dirty="0"/>
           </a:p>
@@ -12380,6 +12404,17 @@
           <a:p>
             <a:pPr lvl="1"/>
             <a:r>
+              <a:rPr lang="en-US" sz="1600" b="1">
+                <a:solidFill>
+                  <a:schemeClr val="accent5">
+                    <a:lumMod val="50000"/>
+                  </a:schemeClr>
+                </a:solidFill>
+                <a:latin typeface="Lucida Console" panose="020B0609040504020204" pitchFamily="49" charset="0"/>
+              </a:rPr>
+              <a:t>0001 </a:t>
+            </a:r>
+            <a:r>
               <a:rPr lang="en-US" sz="1600" b="1" dirty="0">
                 <a:solidFill>
                   <a:schemeClr val="accent5">
@@ -12388,7 +12423,7 @@
                 </a:solidFill>
                 <a:latin typeface="Lucida Console" panose="020B0609040504020204" pitchFamily="49" charset="0"/>
               </a:rPr>
-              <a:t>0002 - Preparation of demo </a:t>
+              <a:t>- Preparation of demo </a:t>
             </a:r>
             <a:r>
               <a:rPr lang="en-US" sz="1600" b="1" dirty="0" err="1">

--- a/Documents and Preparation/Performance optimization by identifying and correcting bad SQL code.pptx
+++ b/Documents and Preparation/Performance optimization by identifying and correcting bad SQL code.pptx
@@ -5,7 +5,7 @@
     <p:sldMasterId id="2147483674" r:id="rId1"/>
   </p:sldMasterIdLst>
   <p:notesMasterIdLst>
-    <p:notesMasterId r:id="rId56"/>
+    <p:notesMasterId r:id="rId59"/>
   </p:notesMasterIdLst>
   <p:sldIdLst>
     <p:sldId id="334" r:id="rId2"/>
@@ -62,6 +62,9 @@
     <p:sldId id="384" r:id="rId53"/>
     <p:sldId id="385" r:id="rId54"/>
     <p:sldId id="386" r:id="rId55"/>
+    <p:sldId id="388" r:id="rId56"/>
+    <p:sldId id="389" r:id="rId57"/>
+    <p:sldId id="387" r:id="rId58"/>
   </p:sldIdLst>
   <p:sldSz cx="12192000" cy="6858000"/>
   <p:notesSz cx="6858000" cy="9144000"/>
@@ -171,7 +174,7 @@
 <file path=ppt/revisionInfo.xml><?xml version="1.0" encoding="utf-8"?>
 <p1510:revInfo xmlns:a="http://schemas.openxmlformats.org/drawingml/2006/main" xmlns:r="http://schemas.openxmlformats.org/officeDocument/2006/relationships" xmlns:p1510="http://schemas.microsoft.com/office/powerpoint/2015/10/main">
   <p1510:revLst>
-    <p1510:client id="{92FE94FD-0D89-4C07-BFFD-690AECC17762}" v="1" dt="2025-01-02T06:45:11.112"/>
+    <p1510:client id="{92FE94FD-0D89-4C07-BFFD-690AECC17762}" v="66" dt="2025-01-02T14:53:59.830"/>
   </p1510:revLst>
 </p1510:revInfo>
 </file>
@@ -1234,8 +1237,8 @@
   </pc:docChgLst>
   <pc:docChgLst>
     <pc:chgData name="Uwe Ricken" userId="f02567aecbed924b" providerId="LiveId" clId="{92FE94FD-0D89-4C07-BFFD-690AECC17762}"/>
-    <pc:docChg chg="modSld">
-      <pc:chgData name="Uwe Ricken" userId="f02567aecbed924b" providerId="LiveId" clId="{92FE94FD-0D89-4C07-BFFD-690AECC17762}" dt="2025-01-02T06:45:16.877" v="1" actId="20577"/>
+    <pc:docChg chg="undo custSel addSld modSld">
+      <pc:chgData name="Uwe Ricken" userId="f02567aecbed924b" providerId="LiveId" clId="{92FE94FD-0D89-4C07-BFFD-690AECC17762}" dt="2025-01-02T14:54:21.323" v="341" actId="2711"/>
       <pc:docMkLst>
         <pc:docMk/>
       </pc:docMkLst>
@@ -1253,6 +1256,401 @@
             <ac:spMk id="3" creationId="{1CC3EFE6-35B9-9AA1-35A3-B1D8A4A7FE9F}"/>
           </ac:spMkLst>
         </pc:spChg>
+      </pc:sldChg>
+      <pc:sldChg chg="modSp mod">
+        <pc:chgData name="Uwe Ricken" userId="f02567aecbed924b" providerId="LiveId" clId="{92FE94FD-0D89-4C07-BFFD-690AECC17762}" dt="2025-01-02T14:15:54.946" v="2" actId="20577"/>
+        <pc:sldMkLst>
+          <pc:docMk/>
+          <pc:sldMk cId="367371729" sldId="384"/>
+        </pc:sldMkLst>
+        <pc:spChg chg="mod">
+          <ac:chgData name="Uwe Ricken" userId="f02567aecbed924b" providerId="LiveId" clId="{92FE94FD-0D89-4C07-BFFD-690AECC17762}" dt="2025-01-02T14:15:54.946" v="2" actId="20577"/>
+          <ac:spMkLst>
+            <pc:docMk/>
+            <pc:sldMk cId="367371729" sldId="384"/>
+            <ac:spMk id="4" creationId="{B79AF0E1-DECA-8D1E-D597-B28D74A2B66C}"/>
+          </ac:spMkLst>
+        </pc:spChg>
+      </pc:sldChg>
+      <pc:sldChg chg="modSp mod">
+        <pc:chgData name="Uwe Ricken" userId="f02567aecbed924b" providerId="LiveId" clId="{92FE94FD-0D89-4C07-BFFD-690AECC17762}" dt="2025-01-02T14:16:03.417" v="3" actId="20577"/>
+        <pc:sldMkLst>
+          <pc:docMk/>
+          <pc:sldMk cId="784247027" sldId="385"/>
+        </pc:sldMkLst>
+        <pc:spChg chg="mod">
+          <ac:chgData name="Uwe Ricken" userId="f02567aecbed924b" providerId="LiveId" clId="{92FE94FD-0D89-4C07-BFFD-690AECC17762}" dt="2025-01-02T14:16:03.417" v="3" actId="20577"/>
+          <ac:spMkLst>
+            <pc:docMk/>
+            <pc:sldMk cId="784247027" sldId="385"/>
+            <ac:spMk id="2" creationId="{8AE804EB-0B5F-C3A2-B83C-89DE8E3DF8C9}"/>
+          </ac:spMkLst>
+        </pc:spChg>
+      </pc:sldChg>
+      <pc:sldChg chg="addSp delSp modSp new mod modClrScheme chgLayout">
+        <pc:chgData name="Uwe Ricken" userId="f02567aecbed924b" providerId="LiveId" clId="{92FE94FD-0D89-4C07-BFFD-690AECC17762}" dt="2025-01-02T14:54:21.323" v="341" actId="2711"/>
+        <pc:sldMkLst>
+          <pc:docMk/>
+          <pc:sldMk cId="197504835" sldId="387"/>
+        </pc:sldMkLst>
+        <pc:spChg chg="mod ord">
+          <ac:chgData name="Uwe Ricken" userId="f02567aecbed924b" providerId="LiveId" clId="{92FE94FD-0D89-4C07-BFFD-690AECC17762}" dt="2025-01-02T14:23:28.304" v="111" actId="700"/>
+          <ac:spMkLst>
+            <pc:docMk/>
+            <pc:sldMk cId="197504835" sldId="387"/>
+            <ac:spMk id="2" creationId="{9BBDF256-CDD1-1B1C-1B64-A3E95A6822AB}"/>
+          </ac:spMkLst>
+        </pc:spChg>
+        <pc:spChg chg="del mod ord">
+          <ac:chgData name="Uwe Ricken" userId="f02567aecbed924b" providerId="LiveId" clId="{92FE94FD-0D89-4C07-BFFD-690AECC17762}" dt="2025-01-02T14:23:23.130" v="110" actId="700"/>
+          <ac:spMkLst>
+            <pc:docMk/>
+            <pc:sldMk cId="197504835" sldId="387"/>
+            <ac:spMk id="3" creationId="{71BEF868-6A1B-DF61-02F1-78996031FD95}"/>
+          </ac:spMkLst>
+        </pc:spChg>
+        <pc:spChg chg="del">
+          <ac:chgData name="Uwe Ricken" userId="f02567aecbed924b" providerId="LiveId" clId="{92FE94FD-0D89-4C07-BFFD-690AECC17762}" dt="2025-01-02T14:23:23.130" v="110" actId="700"/>
+          <ac:spMkLst>
+            <pc:docMk/>
+            <pc:sldMk cId="197504835" sldId="387"/>
+            <ac:spMk id="4" creationId="{F9565FFE-4C36-8965-8739-0B9FE793D548}"/>
+          </ac:spMkLst>
+        </pc:spChg>
+        <pc:spChg chg="add del mod ord">
+          <ac:chgData name="Uwe Ricken" userId="f02567aecbed924b" providerId="LiveId" clId="{92FE94FD-0D89-4C07-BFFD-690AECC17762}" dt="2025-01-02T14:23:28.304" v="111" actId="700"/>
+          <ac:spMkLst>
+            <pc:docMk/>
+            <pc:sldMk cId="197504835" sldId="387"/>
+            <ac:spMk id="5" creationId="{7A259A56-6A1C-A4E6-0B23-B3135B867617}"/>
+          </ac:spMkLst>
+        </pc:spChg>
+        <pc:spChg chg="add mod">
+          <ac:chgData name="Uwe Ricken" userId="f02567aecbed924b" providerId="LiveId" clId="{92FE94FD-0D89-4C07-BFFD-690AECC17762}" dt="2025-01-02T14:47:22.410" v="241" actId="164"/>
+          <ac:spMkLst>
+            <pc:docMk/>
+            <pc:sldMk cId="197504835" sldId="387"/>
+            <ac:spMk id="6" creationId="{49B466F3-BB53-B2C3-3373-E5F7AFA2B5A2}"/>
+          </ac:spMkLst>
+        </pc:spChg>
+        <pc:spChg chg="add mod">
+          <ac:chgData name="Uwe Ricken" userId="f02567aecbed924b" providerId="LiveId" clId="{92FE94FD-0D89-4C07-BFFD-690AECC17762}" dt="2025-01-02T14:47:28.990" v="242" actId="1076"/>
+          <ac:spMkLst>
+            <pc:docMk/>
+            <pc:sldMk cId="197504835" sldId="387"/>
+            <ac:spMk id="8" creationId="{5EA3BE2A-4CE1-C18C-483A-45DE85F1DF05}"/>
+          </ac:spMkLst>
+        </pc:spChg>
+        <pc:spChg chg="add mod">
+          <ac:chgData name="Uwe Ricken" userId="f02567aecbed924b" providerId="LiveId" clId="{92FE94FD-0D89-4C07-BFFD-690AECC17762}" dt="2025-01-02T14:47:28.990" v="242" actId="1076"/>
+          <ac:spMkLst>
+            <pc:docMk/>
+            <pc:sldMk cId="197504835" sldId="387"/>
+            <ac:spMk id="9" creationId="{BC915240-6448-FC65-A18E-2A7002150CE8}"/>
+          </ac:spMkLst>
+        </pc:spChg>
+        <pc:spChg chg="add mod">
+          <ac:chgData name="Uwe Ricken" userId="f02567aecbed924b" providerId="LiveId" clId="{92FE94FD-0D89-4C07-BFFD-690AECC17762}" dt="2025-01-02T14:41:59.862" v="168"/>
+          <ac:spMkLst>
+            <pc:docMk/>
+            <pc:sldMk cId="197504835" sldId="387"/>
+            <ac:spMk id="10" creationId="{0934DFB9-D305-5793-DD84-7D40CF572FC4}"/>
+          </ac:spMkLst>
+        </pc:spChg>
+        <pc:spChg chg="add mod">
+          <ac:chgData name="Uwe Ricken" userId="f02567aecbed924b" providerId="LiveId" clId="{92FE94FD-0D89-4C07-BFFD-690AECC17762}" dt="2025-01-02T14:47:28.990" v="242" actId="1076"/>
+          <ac:spMkLst>
+            <pc:docMk/>
+            <pc:sldMk cId="197504835" sldId="387"/>
+            <ac:spMk id="11" creationId="{31014F3C-3F60-3D08-6DEC-89A467399346}"/>
+          </ac:spMkLst>
+        </pc:spChg>
+        <pc:spChg chg="add mod">
+          <ac:chgData name="Uwe Ricken" userId="f02567aecbed924b" providerId="LiveId" clId="{92FE94FD-0D89-4C07-BFFD-690AECC17762}" dt="2025-01-02T14:47:22.410" v="241" actId="164"/>
+          <ac:spMkLst>
+            <pc:docMk/>
+            <pc:sldMk cId="197504835" sldId="387"/>
+            <ac:spMk id="12" creationId="{E927C664-CCE1-11EC-2A54-6B8566CE6D57}"/>
+          </ac:spMkLst>
+        </pc:spChg>
+        <pc:spChg chg="add mod">
+          <ac:chgData name="Uwe Ricken" userId="f02567aecbed924b" providerId="LiveId" clId="{92FE94FD-0D89-4C07-BFFD-690AECC17762}" dt="2025-01-02T14:47:22.410" v="241" actId="164"/>
+          <ac:spMkLst>
+            <pc:docMk/>
+            <pc:sldMk cId="197504835" sldId="387"/>
+            <ac:spMk id="13" creationId="{462A0E80-15BC-A5EE-6B34-447A1000BC72}"/>
+          </ac:spMkLst>
+        </pc:spChg>
+        <pc:spChg chg="add mod">
+          <ac:chgData name="Uwe Ricken" userId="f02567aecbed924b" providerId="LiveId" clId="{92FE94FD-0D89-4C07-BFFD-690AECC17762}" dt="2025-01-02T14:47:22.410" v="241" actId="164"/>
+          <ac:spMkLst>
+            <pc:docMk/>
+            <pc:sldMk cId="197504835" sldId="387"/>
+            <ac:spMk id="14" creationId="{3F6DE8CC-010A-477A-AC6B-4AD8A53D1372}"/>
+          </ac:spMkLst>
+        </pc:spChg>
+        <pc:spChg chg="add mod">
+          <ac:chgData name="Uwe Ricken" userId="f02567aecbed924b" providerId="LiveId" clId="{92FE94FD-0D89-4C07-BFFD-690AECC17762}" dt="2025-01-02T14:47:51.600" v="244" actId="14100"/>
+          <ac:spMkLst>
+            <pc:docMk/>
+            <pc:sldMk cId="197504835" sldId="387"/>
+            <ac:spMk id="23" creationId="{120FC17E-37AC-0FB3-2667-B12E40E4091D}"/>
+          </ac:spMkLst>
+        </pc:spChg>
+        <pc:spChg chg="add mod">
+          <ac:chgData name="Uwe Ricken" userId="f02567aecbed924b" providerId="LiveId" clId="{92FE94FD-0D89-4C07-BFFD-690AECC17762}" dt="2025-01-02T14:47:51.600" v="244" actId="14100"/>
+          <ac:spMkLst>
+            <pc:docMk/>
+            <pc:sldMk cId="197504835" sldId="387"/>
+            <ac:spMk id="24" creationId="{27BA4003-7B39-2668-1289-D3803DDD0D1F}"/>
+          </ac:spMkLst>
+        </pc:spChg>
+        <pc:spChg chg="add mod">
+          <ac:chgData name="Uwe Ricken" userId="f02567aecbed924b" providerId="LiveId" clId="{92FE94FD-0D89-4C07-BFFD-690AECC17762}" dt="2025-01-02T14:47:51.600" v="244" actId="14100"/>
+          <ac:spMkLst>
+            <pc:docMk/>
+            <pc:sldMk cId="197504835" sldId="387"/>
+            <ac:spMk id="25" creationId="{28B5EBFC-076E-B1E9-A1D0-BAD4AC891F1D}"/>
+          </ac:spMkLst>
+        </pc:spChg>
+        <pc:spChg chg="add mod">
+          <ac:chgData name="Uwe Ricken" userId="f02567aecbed924b" providerId="LiveId" clId="{92FE94FD-0D89-4C07-BFFD-690AECC17762}" dt="2025-01-02T14:52:52.827" v="269" actId="122"/>
+          <ac:spMkLst>
+            <pc:docMk/>
+            <pc:sldMk cId="197504835" sldId="387"/>
+            <ac:spMk id="34" creationId="{4F690970-2A06-B07B-6B2C-D2482B37E1A8}"/>
+          </ac:spMkLst>
+        </pc:spChg>
+        <pc:grpChg chg="add mod">
+          <ac:chgData name="Uwe Ricken" userId="f02567aecbed924b" providerId="LiveId" clId="{92FE94FD-0D89-4C07-BFFD-690AECC17762}" dt="2025-01-02T14:47:28.990" v="242" actId="1076"/>
+          <ac:grpSpMkLst>
+            <pc:docMk/>
+            <pc:sldMk cId="197504835" sldId="387"/>
+            <ac:grpSpMk id="26" creationId="{1190687F-6CA6-1E99-C290-A97D4EAB6056}"/>
+          </ac:grpSpMkLst>
+        </pc:grpChg>
+        <pc:grpChg chg="add mod">
+          <ac:chgData name="Uwe Ricken" userId="f02567aecbed924b" providerId="LiveId" clId="{92FE94FD-0D89-4C07-BFFD-690AECC17762}" dt="2025-01-02T14:47:22.410" v="241" actId="164"/>
+          <ac:grpSpMkLst>
+            <pc:docMk/>
+            <pc:sldMk cId="197504835" sldId="387"/>
+            <ac:grpSpMk id="27" creationId="{CF16A1FD-2681-D7E8-7A64-E44D606F326B}"/>
+          </ac:grpSpMkLst>
+        </pc:grpChg>
+        <pc:graphicFrameChg chg="add del">
+          <ac:chgData name="Uwe Ricken" userId="f02567aecbed924b" providerId="LiveId" clId="{92FE94FD-0D89-4C07-BFFD-690AECC17762}" dt="2025-01-02T14:41:36.738" v="163" actId="478"/>
+          <ac:graphicFrameMkLst>
+            <pc:docMk/>
+            <pc:sldMk cId="197504835" sldId="387"/>
+            <ac:graphicFrameMk id="7" creationId="{2EACF894-4E80-1B05-E4C3-72EEF60E0023}"/>
+          </ac:graphicFrameMkLst>
+        </pc:graphicFrameChg>
+        <pc:graphicFrameChg chg="add mod modGraphic">
+          <ac:chgData name="Uwe Ricken" userId="f02567aecbed924b" providerId="LiveId" clId="{92FE94FD-0D89-4C07-BFFD-690AECC17762}" dt="2025-01-02T14:54:21.323" v="341" actId="2711"/>
+          <ac:graphicFrameMkLst>
+            <pc:docMk/>
+            <pc:sldMk cId="197504835" sldId="387"/>
+            <ac:graphicFrameMk id="35" creationId="{E5233D8E-CE11-6A7F-A6BC-B66825FD44EC}"/>
+          </ac:graphicFrameMkLst>
+        </pc:graphicFrameChg>
+        <pc:picChg chg="add mod">
+          <ac:chgData name="Uwe Ricken" userId="f02567aecbed924b" providerId="LiveId" clId="{92FE94FD-0D89-4C07-BFFD-690AECC17762}" dt="2025-01-02T14:28:23.824" v="139" actId="14100"/>
+          <ac:picMkLst>
+            <pc:docMk/>
+            <pc:sldMk cId="197504835" sldId="387"/>
+            <ac:picMk id="1026" creationId="{E0C6257F-7582-F72B-7CFD-D9F097FF02E4}"/>
+          </ac:picMkLst>
+        </pc:picChg>
+        <pc:picChg chg="add mod">
+          <ac:chgData name="Uwe Ricken" userId="f02567aecbed924b" providerId="LiveId" clId="{92FE94FD-0D89-4C07-BFFD-690AECC17762}" dt="2025-01-02T14:28:54.439" v="147" actId="14100"/>
+          <ac:picMkLst>
+            <pc:docMk/>
+            <pc:sldMk cId="197504835" sldId="387"/>
+            <ac:picMk id="1028" creationId="{C4702702-2E15-5A6D-4C10-6B05B5B8B54E}"/>
+          </ac:picMkLst>
+        </pc:picChg>
+        <pc:picChg chg="add mod">
+          <ac:chgData name="Uwe Ricken" userId="f02567aecbed924b" providerId="LiveId" clId="{92FE94FD-0D89-4C07-BFFD-690AECC17762}" dt="2025-01-02T14:47:28.990" v="242" actId="1076"/>
+          <ac:picMkLst>
+            <pc:docMk/>
+            <pc:sldMk cId="197504835" sldId="387"/>
+            <ac:picMk id="1030" creationId="{2ADD5814-D3E2-4B15-2953-78BFAEAAFDA0}"/>
+          </ac:picMkLst>
+        </pc:picChg>
+        <pc:picChg chg="add mod">
+          <ac:chgData name="Uwe Ricken" userId="f02567aecbed924b" providerId="LiveId" clId="{92FE94FD-0D89-4C07-BFFD-690AECC17762}" dt="2025-01-02T14:52:39.133" v="257" actId="1076"/>
+          <ac:picMkLst>
+            <pc:docMk/>
+            <pc:sldMk cId="197504835" sldId="387"/>
+            <ac:picMk id="1032" creationId="{E49690CA-FF87-AB7A-FC91-DBAB21C0C42C}"/>
+          </ac:picMkLst>
+        </pc:picChg>
+        <pc:cxnChg chg="add mod">
+          <ac:chgData name="Uwe Ricken" userId="f02567aecbed924b" providerId="LiveId" clId="{92FE94FD-0D89-4C07-BFFD-690AECC17762}" dt="2025-01-02T14:48:53.484" v="249" actId="1582"/>
+          <ac:cxnSpMkLst>
+            <pc:docMk/>
+            <pc:sldMk cId="197504835" sldId="387"/>
+            <ac:cxnSpMk id="16" creationId="{BFF62822-DC5A-C836-D7D6-A11088200D31}"/>
+          </ac:cxnSpMkLst>
+        </pc:cxnChg>
+        <pc:cxnChg chg="add mod">
+          <ac:chgData name="Uwe Ricken" userId="f02567aecbed924b" providerId="LiveId" clId="{92FE94FD-0D89-4C07-BFFD-690AECC17762}" dt="2025-01-02T14:48:53.484" v="249" actId="1582"/>
+          <ac:cxnSpMkLst>
+            <pc:docMk/>
+            <pc:sldMk cId="197504835" sldId="387"/>
+            <ac:cxnSpMk id="17" creationId="{B0D7BFA6-19C3-77CE-7E52-4DAC75D28D2D}"/>
+          </ac:cxnSpMkLst>
+        </pc:cxnChg>
+        <pc:cxnChg chg="add mod">
+          <ac:chgData name="Uwe Ricken" userId="f02567aecbed924b" providerId="LiveId" clId="{92FE94FD-0D89-4C07-BFFD-690AECC17762}" dt="2025-01-02T14:48:53.484" v="249" actId="1582"/>
+          <ac:cxnSpMkLst>
+            <pc:docMk/>
+            <pc:sldMk cId="197504835" sldId="387"/>
+            <ac:cxnSpMk id="20" creationId="{17B558C1-4854-42EA-B917-A97B429E12A3}"/>
+          </ac:cxnSpMkLst>
+        </pc:cxnChg>
+        <pc:cxnChg chg="add mod">
+          <ac:chgData name="Uwe Ricken" userId="f02567aecbed924b" providerId="LiveId" clId="{92FE94FD-0D89-4C07-BFFD-690AECC17762}" dt="2025-01-02T14:48:25.561" v="248" actId="1582"/>
+          <ac:cxnSpMkLst>
+            <pc:docMk/>
+            <pc:sldMk cId="197504835" sldId="387"/>
+            <ac:cxnSpMk id="30" creationId="{1E1C9D0E-7E83-CF29-8923-1C89559DB028}"/>
+          </ac:cxnSpMkLst>
+        </pc:cxnChg>
+        <pc:cxnChg chg="add mod">
+          <ac:chgData name="Uwe Ricken" userId="f02567aecbed924b" providerId="LiveId" clId="{92FE94FD-0D89-4C07-BFFD-690AECC17762}" dt="2025-01-02T14:48:25.561" v="248" actId="1582"/>
+          <ac:cxnSpMkLst>
+            <pc:docMk/>
+            <pc:sldMk cId="197504835" sldId="387"/>
+            <ac:cxnSpMk id="32" creationId="{A72182EF-87EF-45E1-2A22-CE50DAC523E0}"/>
+          </ac:cxnSpMkLst>
+        </pc:cxnChg>
+      </pc:sldChg>
+      <pc:sldChg chg="modSp mod">
+        <pc:chgData name="Uwe Ricken" userId="f02567aecbed924b" providerId="LiveId" clId="{92FE94FD-0D89-4C07-BFFD-690AECC17762}" dt="2025-01-02T14:17:31.728" v="40" actId="20577"/>
+        <pc:sldMkLst>
+          <pc:docMk/>
+          <pc:sldMk cId="3891852174" sldId="388"/>
+        </pc:sldMkLst>
+        <pc:spChg chg="mod">
+          <ac:chgData name="Uwe Ricken" userId="f02567aecbed924b" providerId="LiveId" clId="{92FE94FD-0D89-4C07-BFFD-690AECC17762}" dt="2025-01-02T14:17:18.124" v="5" actId="20577"/>
+          <ac:spMkLst>
+            <pc:docMk/>
+            <pc:sldMk cId="3891852174" sldId="388"/>
+            <ac:spMk id="4" creationId="{6B9EC098-F5FA-5FFD-BEB9-6DD20A2F5715}"/>
+          </ac:spMkLst>
+        </pc:spChg>
+        <pc:spChg chg="mod">
+          <ac:chgData name="Uwe Ricken" userId="f02567aecbed924b" providerId="LiveId" clId="{92FE94FD-0D89-4C07-BFFD-690AECC17762}" dt="2025-01-02T14:17:31.728" v="40" actId="20577"/>
+          <ac:spMkLst>
+            <pc:docMk/>
+            <pc:sldMk cId="3891852174" sldId="388"/>
+            <ac:spMk id="5" creationId="{BFA39534-FBA4-0E59-40BD-47079A6B5866}"/>
+          </ac:spMkLst>
+        </pc:spChg>
+      </pc:sldChg>
+      <pc:sldChg chg="addSp delSp modSp mod">
+        <pc:chgData name="Uwe Ricken" userId="f02567aecbed924b" providerId="LiveId" clId="{92FE94FD-0D89-4C07-BFFD-690AECC17762}" dt="2025-01-02T14:24:06.988" v="115" actId="313"/>
+        <pc:sldMkLst>
+          <pc:docMk/>
+          <pc:sldMk cId="2903032208" sldId="389"/>
+        </pc:sldMkLst>
+        <pc:spChg chg="mod">
+          <ac:chgData name="Uwe Ricken" userId="f02567aecbed924b" providerId="LiveId" clId="{92FE94FD-0D89-4C07-BFFD-690AECC17762}" dt="2025-01-02T14:24:01.447" v="114" actId="790"/>
+          <ac:spMkLst>
+            <pc:docMk/>
+            <pc:sldMk cId="2903032208" sldId="389"/>
+            <ac:spMk id="2" creationId="{DB1828B6-3939-99CA-2F44-2AEEE9A30733}"/>
+          </ac:spMkLst>
+        </pc:spChg>
+        <pc:spChg chg="mod">
+          <ac:chgData name="Uwe Ricken" userId="f02567aecbed924b" providerId="LiveId" clId="{92FE94FD-0D89-4C07-BFFD-690AECC17762}" dt="2025-01-02T14:24:06.988" v="115" actId="313"/>
+          <ac:spMkLst>
+            <pc:docMk/>
+            <pc:sldMk cId="2903032208" sldId="389"/>
+            <ac:spMk id="3" creationId="{EBC3E07B-61DF-F752-9D8D-5CAC0C512635}"/>
+          </ac:spMkLst>
+        </pc:spChg>
+        <pc:spChg chg="add del mod">
+          <ac:chgData name="Uwe Ricken" userId="f02567aecbed924b" providerId="LiveId" clId="{92FE94FD-0D89-4C07-BFFD-690AECC17762}" dt="2025-01-02T14:20:37.936" v="42" actId="931"/>
+          <ac:spMkLst>
+            <pc:docMk/>
+            <pc:sldMk cId="2903032208" sldId="389"/>
+            <ac:spMk id="5" creationId="{9CDBCB5A-F536-D750-9042-99C47D169065}"/>
+          </ac:spMkLst>
+        </pc:spChg>
+        <pc:spChg chg="mod">
+          <ac:chgData name="Uwe Ricken" userId="f02567aecbed924b" providerId="LiveId" clId="{92FE94FD-0D89-4C07-BFFD-690AECC17762}" dt="2025-01-02T14:24:01.447" v="114" actId="790"/>
+          <ac:spMkLst>
+            <pc:docMk/>
+            <pc:sldMk cId="2903032208" sldId="389"/>
+            <ac:spMk id="11" creationId="{4332928D-6136-A674-3230-8BFBCF2BC251}"/>
+          </ac:spMkLst>
+        </pc:spChg>
+        <pc:spChg chg="mod">
+          <ac:chgData name="Uwe Ricken" userId="f02567aecbed924b" providerId="LiveId" clId="{92FE94FD-0D89-4C07-BFFD-690AECC17762}" dt="2025-01-02T14:24:01.447" v="114" actId="790"/>
+          <ac:spMkLst>
+            <pc:docMk/>
+            <pc:sldMk cId="2903032208" sldId="389"/>
+            <ac:spMk id="12" creationId="{F28A3C57-CE27-5266-E999-4F1C3B69D7D2}"/>
+          </ac:spMkLst>
+        </pc:spChg>
+        <pc:spChg chg="mod">
+          <ac:chgData name="Uwe Ricken" userId="f02567aecbed924b" providerId="LiveId" clId="{92FE94FD-0D89-4C07-BFFD-690AECC17762}" dt="2025-01-02T14:24:01.447" v="114" actId="790"/>
+          <ac:spMkLst>
+            <pc:docMk/>
+            <pc:sldMk cId="2903032208" sldId="389"/>
+            <ac:spMk id="13" creationId="{37886DAF-7384-928D-1CE6-D1247437628B}"/>
+          </ac:spMkLst>
+        </pc:spChg>
+        <pc:spChg chg="mod">
+          <ac:chgData name="Uwe Ricken" userId="f02567aecbed924b" providerId="LiveId" clId="{92FE94FD-0D89-4C07-BFFD-690AECC17762}" dt="2025-01-02T14:24:01.447" v="114" actId="790"/>
+          <ac:spMkLst>
+            <pc:docMk/>
+            <pc:sldMk cId="2903032208" sldId="389"/>
+            <ac:spMk id="43" creationId="{68547F13-A422-D977-F94C-E9CED9F6599B}"/>
+          </ac:spMkLst>
+        </pc:spChg>
+        <pc:graphicFrameChg chg="del">
+          <ac:chgData name="Uwe Ricken" userId="f02567aecbed924b" providerId="LiveId" clId="{92FE94FD-0D89-4C07-BFFD-690AECC17762}" dt="2025-01-02T14:20:19.540" v="41" actId="478"/>
+          <ac:graphicFrameMkLst>
+            <pc:docMk/>
+            <pc:sldMk cId="2903032208" sldId="389"/>
+            <ac:graphicFrameMk id="7" creationId="{181516FD-A713-ADDF-9F76-F20EE20F4066}"/>
+          </ac:graphicFrameMkLst>
+        </pc:graphicFrameChg>
+        <pc:graphicFrameChg chg="del">
+          <ac:chgData name="Uwe Ricken" userId="f02567aecbed924b" providerId="LiveId" clId="{92FE94FD-0D89-4C07-BFFD-690AECC17762}" dt="2025-01-02T14:20:19.540" v="41" actId="478"/>
+          <ac:graphicFrameMkLst>
+            <pc:docMk/>
+            <pc:sldMk cId="2903032208" sldId="389"/>
+            <ac:graphicFrameMk id="8" creationId="{C5FE56BB-EC61-1A81-B5DF-BCFE0778C2C5}"/>
+          </ac:graphicFrameMkLst>
+        </pc:graphicFrameChg>
+        <pc:picChg chg="add mod">
+          <ac:chgData name="Uwe Ricken" userId="f02567aecbed924b" providerId="LiveId" clId="{92FE94FD-0D89-4C07-BFFD-690AECC17762}" dt="2025-01-02T14:20:37.936" v="42" actId="931"/>
+          <ac:picMkLst>
+            <pc:docMk/>
+            <pc:sldMk cId="2903032208" sldId="389"/>
+            <ac:picMk id="9" creationId="{44A8B1D8-8824-2686-9778-7AA1E8AE5B65}"/>
+          </ac:picMkLst>
+        </pc:picChg>
+        <pc:cxnChg chg="del mod">
+          <ac:chgData name="Uwe Ricken" userId="f02567aecbed924b" providerId="LiveId" clId="{92FE94FD-0D89-4C07-BFFD-690AECC17762}" dt="2025-01-02T14:20:19.540" v="41" actId="478"/>
+          <ac:cxnSpMkLst>
+            <pc:docMk/>
+            <pc:sldMk cId="2903032208" sldId="389"/>
+            <ac:cxnSpMk id="31" creationId="{FF007E43-1393-B5F0-8BAD-87C5C0B9A096}"/>
+          </ac:cxnSpMkLst>
+        </pc:cxnChg>
+        <pc:cxnChg chg="del mod">
+          <ac:chgData name="Uwe Ricken" userId="f02567aecbed924b" providerId="LiveId" clId="{92FE94FD-0D89-4C07-BFFD-690AECC17762}" dt="2025-01-02T14:20:19.540" v="41" actId="478"/>
+          <ac:cxnSpMkLst>
+            <pc:docMk/>
+            <pc:sldMk cId="2903032208" sldId="389"/>
+            <ac:cxnSpMk id="33" creationId="{296B074C-DE2A-4930-9E5A-DC3B42EB46E3}"/>
+          </ac:cxnSpMkLst>
+        </pc:cxnChg>
       </pc:sldChg>
     </pc:docChg>
   </pc:docChgLst>
@@ -16198,7 +16596,7 @@
           <a:p>
             <a:r>
               <a:rPr lang="en-US" dirty="0"/>
-              <a:t>Scenario #6</a:t>
+              <a:t>Scenario #3</a:t>
             </a:r>
           </a:p>
         </p:txBody>
@@ -16290,7 +16688,7 @@
           <a:p>
             <a:r>
               <a:rPr lang="en-US" dirty="0"/>
-              <a:t>Scenario 6 – Problem Description</a:t>
+              <a:t>Scenario 3 – Problem Description</a:t>
             </a:r>
           </a:p>
         </p:txBody>
@@ -17561,6 +17959,1618 @@
     <p:extLst>
       <p:ext uri="{BB962C8B-B14F-4D97-AF65-F5344CB8AC3E}">
         <p14:creationId xmlns:p14="http://schemas.microsoft.com/office/powerpoint/2010/main" val="3574118892"/>
+      </p:ext>
+    </p:extLst>
+  </p:cSld>
+  <p:clrMapOvr>
+    <a:masterClrMapping/>
+  </p:clrMapOvr>
+</p:sld>
+</file>
+
+<file path=ppt/slides/slide55.xml><?xml version="1.0" encoding="utf-8"?>
+<p:sld xmlns:a="http://schemas.openxmlformats.org/drawingml/2006/main" xmlns:r="http://schemas.openxmlformats.org/officeDocument/2006/relationships" xmlns:p="http://schemas.openxmlformats.org/presentationml/2006/main">
+  <p:cSld>
+    <p:spTree>
+      <p:nvGrpSpPr>
+        <p:cNvPr id="1" name="">
+          <a:extLst>
+            <a:ext uri="{FF2B5EF4-FFF2-40B4-BE49-F238E27FC236}">
+              <a16:creationId xmlns:a16="http://schemas.microsoft.com/office/drawing/2014/main" id="{B9E0ACC6-96EA-C153-2A83-E5AA993A8EEB}"/>
+            </a:ext>
+          </a:extLst>
+        </p:cNvPr>
+        <p:cNvGrpSpPr/>
+        <p:nvPr/>
+      </p:nvGrpSpPr>
+      <p:grpSpPr>
+        <a:xfrm>
+          <a:off x="0" y="0"/>
+          <a:ext cx="0" cy="0"/>
+          <a:chOff x="0" y="0"/>
+          <a:chExt cx="0" cy="0"/>
+        </a:xfrm>
+      </p:grpSpPr>
+      <p:sp>
+        <p:nvSpPr>
+          <p:cNvPr id="4" name="Titel 3">
+            <a:extLst>
+              <a:ext uri="{FF2B5EF4-FFF2-40B4-BE49-F238E27FC236}">
+                <a16:creationId xmlns:a16="http://schemas.microsoft.com/office/drawing/2014/main" id="{6B9EC098-F5FA-5FFD-BEB9-6DD20A2F5715}"/>
+              </a:ext>
+            </a:extLst>
+          </p:cNvPr>
+          <p:cNvSpPr>
+            <a:spLocks noGrp="1"/>
+          </p:cNvSpPr>
+          <p:nvPr>
+            <p:ph type="ctrTitle"/>
+          </p:nvPr>
+        </p:nvSpPr>
+        <p:spPr/>
+        <p:txBody>
+          <a:bodyPr/>
+          <a:lstStyle/>
+          <a:p>
+            <a:r>
+              <a:rPr lang="en-US" dirty="0"/>
+              <a:t>Scenario #4</a:t>
+            </a:r>
+          </a:p>
+        </p:txBody>
+      </p:sp>
+      <p:sp>
+        <p:nvSpPr>
+          <p:cNvPr id="5" name="Untertitel 4">
+            <a:extLst>
+              <a:ext uri="{FF2B5EF4-FFF2-40B4-BE49-F238E27FC236}">
+                <a16:creationId xmlns:a16="http://schemas.microsoft.com/office/drawing/2014/main" id="{BFA39534-FBA4-0E59-40BD-47079A6B5866}"/>
+              </a:ext>
+            </a:extLst>
+          </p:cNvPr>
+          <p:cNvSpPr>
+            <a:spLocks noGrp="1"/>
+          </p:cNvSpPr>
+          <p:nvPr>
+            <p:ph type="subTitle" idx="1"/>
+          </p:nvPr>
+        </p:nvSpPr>
+        <p:spPr/>
+        <p:txBody>
+          <a:bodyPr/>
+          <a:lstStyle/>
+          <a:p>
+            <a:r>
+              <a:rPr lang="en-US" dirty="0"/>
+              <a:t>Triggers, Functions, … - Exodus!</a:t>
+            </a:r>
+          </a:p>
+        </p:txBody>
+      </p:sp>
+    </p:spTree>
+    <p:extLst>
+      <p:ext uri="{BB962C8B-B14F-4D97-AF65-F5344CB8AC3E}">
+        <p14:creationId xmlns:p14="http://schemas.microsoft.com/office/powerpoint/2010/main" val="3891852174"/>
+      </p:ext>
+    </p:extLst>
+  </p:cSld>
+  <p:clrMapOvr>
+    <a:masterClrMapping/>
+  </p:clrMapOvr>
+</p:sld>
+</file>
+
+<file path=ppt/slides/slide56.xml><?xml version="1.0" encoding="utf-8"?>
+<p:sld xmlns:a="http://schemas.openxmlformats.org/drawingml/2006/main" xmlns:r="http://schemas.openxmlformats.org/officeDocument/2006/relationships" xmlns:p="http://schemas.openxmlformats.org/presentationml/2006/main">
+  <p:cSld>
+    <p:spTree>
+      <p:nvGrpSpPr>
+        <p:cNvPr id="1" name="">
+          <a:extLst>
+            <a:ext uri="{FF2B5EF4-FFF2-40B4-BE49-F238E27FC236}">
+              <a16:creationId xmlns:a16="http://schemas.microsoft.com/office/drawing/2014/main" id="{7081164A-D2EA-1B0B-265C-E3F16968197F}"/>
+            </a:ext>
+          </a:extLst>
+        </p:cNvPr>
+        <p:cNvGrpSpPr/>
+        <p:nvPr/>
+      </p:nvGrpSpPr>
+      <p:grpSpPr>
+        <a:xfrm>
+          <a:off x="0" y="0"/>
+          <a:ext cx="0" cy="0"/>
+          <a:chOff x="0" y="0"/>
+          <a:chExt cx="0" cy="0"/>
+        </a:xfrm>
+      </p:grpSpPr>
+      <p:sp>
+        <p:nvSpPr>
+          <p:cNvPr id="2" name="Titel 1">
+            <a:extLst>
+              <a:ext uri="{FF2B5EF4-FFF2-40B4-BE49-F238E27FC236}">
+                <a16:creationId xmlns:a16="http://schemas.microsoft.com/office/drawing/2014/main" id="{DB1828B6-3939-99CA-2F44-2AEEE9A30733}"/>
+              </a:ext>
+            </a:extLst>
+          </p:cNvPr>
+          <p:cNvSpPr>
+            <a:spLocks noGrp="1"/>
+          </p:cNvSpPr>
+          <p:nvPr>
+            <p:ph type="title"/>
+          </p:nvPr>
+        </p:nvSpPr>
+        <p:spPr/>
+        <p:txBody>
+          <a:bodyPr/>
+          <a:lstStyle/>
+          <a:p>
+            <a:r>
+              <a:rPr lang="en-US" dirty="0"/>
+              <a:t>Scenario 4 – Problem Description</a:t>
+            </a:r>
+          </a:p>
+        </p:txBody>
+      </p:sp>
+      <p:sp>
+        <p:nvSpPr>
+          <p:cNvPr id="3" name="Inhaltsplatzhalter 2">
+            <a:extLst>
+              <a:ext uri="{FF2B5EF4-FFF2-40B4-BE49-F238E27FC236}">
+                <a16:creationId xmlns:a16="http://schemas.microsoft.com/office/drawing/2014/main" id="{EBC3E07B-61DF-F752-9D8D-5CAC0C512635}"/>
+              </a:ext>
+            </a:extLst>
+          </p:cNvPr>
+          <p:cNvSpPr>
+            <a:spLocks noGrp="1"/>
+          </p:cNvSpPr>
+          <p:nvPr>
+            <p:ph sz="half" idx="1"/>
+          </p:nvPr>
+        </p:nvSpPr>
+        <p:spPr/>
+        <p:txBody>
+          <a:bodyPr>
+            <a:normAutofit/>
+          </a:bodyPr>
+          <a:lstStyle/>
+          <a:p>
+            <a:r>
+              <a:rPr lang="en-US" b="1" dirty="0"/>
+              <a:t>Description</a:t>
+            </a:r>
+          </a:p>
+          <a:p>
+            <a:pPr lvl="1"/>
+            <a:r>
+              <a:rPr lang="en-US" sz="1600" b="0" i="0" dirty="0">
+                <a:solidFill>
+                  <a:srgbClr val="1F2328"/>
+                </a:solidFill>
+                <a:effectLst/>
+                <a:latin typeface="-apple-system"/>
+              </a:rPr>
+              <a:t>A customer's web shop runs without any complaints from customers during "normal" days.</a:t>
+            </a:r>
+          </a:p>
+          <a:p>
+            <a:pPr lvl="1"/>
+            <a:r>
+              <a:rPr lang="en-US" sz="1600" b="0" i="0" dirty="0">
+                <a:solidFill>
+                  <a:srgbClr val="1F2328"/>
+                </a:solidFill>
+                <a:effectLst/>
+                <a:latin typeface="-apple-system"/>
+              </a:rPr>
+              <a:t>As soon as special sales promotions are started (e.g. Black Friday, fire sale, ...), the system's performance collapses and customers complain that it takes a long time for placing an order in the system.</a:t>
+            </a:r>
+            <a:endParaRPr lang="en-US" sz="1600" b="1" dirty="0"/>
+          </a:p>
+          <a:p>
+            <a:r>
+              <a:rPr lang="en-US" b="1" dirty="0"/>
+              <a:t>Problem</a:t>
+            </a:r>
+          </a:p>
+          <a:p>
+            <a:pPr lvl="1"/>
+            <a:r>
+              <a:rPr lang="en-US" sz="1600" dirty="0"/>
+              <a:t>During peak times, the system reacts very slowly and cannot be used in some cases.</a:t>
+            </a:r>
+          </a:p>
+          <a:p>
+            <a:pPr lvl="1"/>
+            <a:r>
+              <a:rPr lang="en-US" sz="1600" dirty="0"/>
+              <a:t>Customers often abandon their purchase attempts in frustration.</a:t>
+            </a:r>
+          </a:p>
+        </p:txBody>
+      </p:sp>
+      <p:sp>
+        <p:nvSpPr>
+          <p:cNvPr id="11" name="Rechteck 10">
+            <a:extLst>
+              <a:ext uri="{FF2B5EF4-FFF2-40B4-BE49-F238E27FC236}">
+                <a16:creationId xmlns:a16="http://schemas.microsoft.com/office/drawing/2014/main" id="{4332928D-6136-A674-3230-8BFBCF2BC251}"/>
+              </a:ext>
+            </a:extLst>
+          </p:cNvPr>
+          <p:cNvSpPr/>
+          <p:nvPr/>
+        </p:nvSpPr>
+        <p:spPr>
+          <a:xfrm>
+            <a:off x="7296411" y="2461364"/>
+            <a:ext cx="132533" cy="244258"/>
+          </a:xfrm>
+          <a:prstGeom prst="rect">
+            <a:avLst/>
+          </a:prstGeom>
+          <a:solidFill>
+            <a:schemeClr val="bg1"/>
+          </a:solidFill>
+          <a:ln>
+            <a:noFill/>
+          </a:ln>
+        </p:spPr>
+        <p:style>
+          <a:lnRef idx="2">
+            <a:schemeClr val="accent1">
+              <a:shade val="15000"/>
+            </a:schemeClr>
+          </a:lnRef>
+          <a:fillRef idx="1">
+            <a:schemeClr val="accent1"/>
+          </a:fillRef>
+          <a:effectRef idx="0">
+            <a:schemeClr val="accent1"/>
+          </a:effectRef>
+          <a:fontRef idx="minor">
+            <a:schemeClr val="lt1"/>
+          </a:fontRef>
+        </p:style>
+        <p:txBody>
+          <a:bodyPr rtlCol="0" anchor="ctr"/>
+          <a:lstStyle/>
+          <a:p>
+            <a:pPr algn="ctr"/>
+            <a:endParaRPr lang="en-US" dirty="0"/>
+          </a:p>
+        </p:txBody>
+      </p:sp>
+      <p:sp>
+        <p:nvSpPr>
+          <p:cNvPr id="12" name="Rechteck 11">
+            <a:extLst>
+              <a:ext uri="{FF2B5EF4-FFF2-40B4-BE49-F238E27FC236}">
+                <a16:creationId xmlns:a16="http://schemas.microsoft.com/office/drawing/2014/main" id="{F28A3C57-CE27-5266-E999-4F1C3B69D7D2}"/>
+              </a:ext>
+            </a:extLst>
+          </p:cNvPr>
+          <p:cNvSpPr/>
+          <p:nvPr/>
+        </p:nvSpPr>
+        <p:spPr>
+          <a:xfrm>
+            <a:off x="7296411" y="2705622"/>
+            <a:ext cx="132533" cy="244258"/>
+          </a:xfrm>
+          <a:prstGeom prst="rect">
+            <a:avLst/>
+          </a:prstGeom>
+          <a:solidFill>
+            <a:schemeClr val="bg1"/>
+          </a:solidFill>
+          <a:ln>
+            <a:noFill/>
+          </a:ln>
+        </p:spPr>
+        <p:style>
+          <a:lnRef idx="2">
+            <a:schemeClr val="accent1">
+              <a:shade val="15000"/>
+            </a:schemeClr>
+          </a:lnRef>
+          <a:fillRef idx="1">
+            <a:schemeClr val="accent1"/>
+          </a:fillRef>
+          <a:effectRef idx="0">
+            <a:schemeClr val="accent1"/>
+          </a:effectRef>
+          <a:fontRef idx="minor">
+            <a:schemeClr val="lt1"/>
+          </a:fontRef>
+        </p:style>
+        <p:txBody>
+          <a:bodyPr rtlCol="0" anchor="ctr"/>
+          <a:lstStyle/>
+          <a:p>
+            <a:pPr algn="ctr"/>
+            <a:endParaRPr lang="en-US" dirty="0"/>
+          </a:p>
+        </p:txBody>
+      </p:sp>
+      <p:sp>
+        <p:nvSpPr>
+          <p:cNvPr id="13" name="Rechteck 12">
+            <a:extLst>
+              <a:ext uri="{FF2B5EF4-FFF2-40B4-BE49-F238E27FC236}">
+                <a16:creationId xmlns:a16="http://schemas.microsoft.com/office/drawing/2014/main" id="{37886DAF-7384-928D-1CE6-D1247437628B}"/>
+              </a:ext>
+            </a:extLst>
+          </p:cNvPr>
+          <p:cNvSpPr/>
+          <p:nvPr/>
+        </p:nvSpPr>
+        <p:spPr>
+          <a:xfrm>
+            <a:off x="7296410" y="4741102"/>
+            <a:ext cx="132533" cy="244258"/>
+          </a:xfrm>
+          <a:prstGeom prst="rect">
+            <a:avLst/>
+          </a:prstGeom>
+          <a:solidFill>
+            <a:schemeClr val="bg1"/>
+          </a:solidFill>
+          <a:ln>
+            <a:noFill/>
+          </a:ln>
+        </p:spPr>
+        <p:style>
+          <a:lnRef idx="2">
+            <a:schemeClr val="accent1">
+              <a:shade val="15000"/>
+            </a:schemeClr>
+          </a:lnRef>
+          <a:fillRef idx="1">
+            <a:schemeClr val="accent1"/>
+          </a:fillRef>
+          <a:effectRef idx="0">
+            <a:schemeClr val="accent1"/>
+          </a:effectRef>
+          <a:fontRef idx="minor">
+            <a:schemeClr val="lt1"/>
+          </a:fontRef>
+        </p:style>
+        <p:txBody>
+          <a:bodyPr rtlCol="0" anchor="ctr"/>
+          <a:lstStyle/>
+          <a:p>
+            <a:pPr algn="ctr"/>
+            <a:endParaRPr lang="en-US" dirty="0"/>
+          </a:p>
+        </p:txBody>
+      </p:sp>
+      <p:sp>
+        <p:nvSpPr>
+          <p:cNvPr id="43" name="Textfeld 42">
+            <a:extLst>
+              <a:ext uri="{FF2B5EF4-FFF2-40B4-BE49-F238E27FC236}">
+                <a16:creationId xmlns:a16="http://schemas.microsoft.com/office/drawing/2014/main" id="{68547F13-A422-D977-F94C-E9CED9F6599B}"/>
+              </a:ext>
+            </a:extLst>
+          </p:cNvPr>
+          <p:cNvSpPr txBox="1"/>
+          <p:nvPr/>
+        </p:nvSpPr>
+        <p:spPr>
+          <a:xfrm>
+            <a:off x="6588690" y="3429000"/>
+            <a:ext cx="494773" cy="276999"/>
+          </a:xfrm>
+          <a:prstGeom prst="rect">
+            <a:avLst/>
+          </a:prstGeom>
+          <a:noFill/>
+        </p:spPr>
+        <p:txBody>
+          <a:bodyPr wrap="square" rtlCol="0">
+            <a:spAutoFit/>
+          </a:bodyPr>
+          <a:lstStyle/>
+          <a:p>
+            <a:pPr algn="ctr"/>
+            <a:r>
+              <a:rPr lang="en-US" sz="1200" dirty="0"/>
+              <a:t>OR</a:t>
+            </a:r>
+          </a:p>
+        </p:txBody>
+      </p:sp>
+      <p:pic>
+        <p:nvPicPr>
+          <p:cNvPr id="9" name="Inhaltsplatzhalter 8">
+            <a:extLst>
+              <a:ext uri="{FF2B5EF4-FFF2-40B4-BE49-F238E27FC236}">
+                <a16:creationId xmlns:a16="http://schemas.microsoft.com/office/drawing/2014/main" id="{44A8B1D8-8824-2686-9778-7AA1E8AE5B65}"/>
+              </a:ext>
+            </a:extLst>
+          </p:cNvPr>
+          <p:cNvPicPr>
+            <a:picLocks noGrp="1" noChangeAspect="1"/>
+          </p:cNvPicPr>
+          <p:nvPr>
+            <p:ph sz="half" idx="2"/>
+          </p:nvPr>
+        </p:nvPicPr>
+        <p:blipFill>
+          <a:blip r:embed="rId2"/>
+          <a:stretch>
+            <a:fillRect/>
+          </a:stretch>
+        </p:blipFill>
+        <p:spPr>
+          <a:xfrm>
+            <a:off x="6778625" y="1665288"/>
+            <a:ext cx="4572000" cy="4572000"/>
+          </a:xfrm>
+        </p:spPr>
+      </p:pic>
+    </p:spTree>
+    <p:extLst>
+      <p:ext uri="{BB962C8B-B14F-4D97-AF65-F5344CB8AC3E}">
+        <p14:creationId xmlns:p14="http://schemas.microsoft.com/office/powerpoint/2010/main" val="2903032208"/>
+      </p:ext>
+    </p:extLst>
+  </p:cSld>
+  <p:clrMapOvr>
+    <a:masterClrMapping/>
+  </p:clrMapOvr>
+</p:sld>
+</file>
+
+<file path=ppt/slides/slide57.xml><?xml version="1.0" encoding="utf-8"?>
+<p:sld xmlns:a="http://schemas.openxmlformats.org/drawingml/2006/main" xmlns:r="http://schemas.openxmlformats.org/officeDocument/2006/relationships" xmlns:p="http://schemas.openxmlformats.org/presentationml/2006/main">
+  <p:cSld>
+    <p:spTree>
+      <p:nvGrpSpPr>
+        <p:cNvPr id="1" name=""/>
+        <p:cNvGrpSpPr/>
+        <p:nvPr/>
+      </p:nvGrpSpPr>
+      <p:grpSpPr>
+        <a:xfrm>
+          <a:off x="0" y="0"/>
+          <a:ext cx="0" cy="0"/>
+          <a:chOff x="0" y="0"/>
+          <a:chExt cx="0" cy="0"/>
+        </a:xfrm>
+      </p:grpSpPr>
+      <p:sp>
+        <p:nvSpPr>
+          <p:cNvPr id="2" name="Titel 1">
+            <a:extLst>
+              <a:ext uri="{FF2B5EF4-FFF2-40B4-BE49-F238E27FC236}">
+                <a16:creationId xmlns:a16="http://schemas.microsoft.com/office/drawing/2014/main" id="{9BBDF256-CDD1-1B1C-1B64-A3E95A6822AB}"/>
+              </a:ext>
+            </a:extLst>
+          </p:cNvPr>
+          <p:cNvSpPr>
+            <a:spLocks noGrp="1"/>
+          </p:cNvSpPr>
+          <p:nvPr>
+            <p:ph type="title"/>
+          </p:nvPr>
+        </p:nvSpPr>
+        <p:spPr/>
+        <p:txBody>
+          <a:bodyPr/>
+          <a:lstStyle/>
+          <a:p>
+            <a:r>
+              <a:rPr lang="en-US" dirty="0"/>
+              <a:t>Scenario 4 - Workload</a:t>
+            </a:r>
+          </a:p>
+        </p:txBody>
+      </p:sp>
+      <p:pic>
+        <p:nvPicPr>
+          <p:cNvPr id="1026" name="Picture 2" descr="webshop icon Stock-Illustration | Adobe Stock">
+            <a:extLst>
+              <a:ext uri="{FF2B5EF4-FFF2-40B4-BE49-F238E27FC236}">
+                <a16:creationId xmlns:a16="http://schemas.microsoft.com/office/drawing/2014/main" id="{E0C6257F-7582-F72B-7CFD-D9F097FF02E4}"/>
+              </a:ext>
+            </a:extLst>
+          </p:cNvPr>
+          <p:cNvPicPr>
+            <a:picLocks noChangeAspect="1" noChangeArrowheads="1"/>
+          </p:cNvPicPr>
+          <p:nvPr/>
+        </p:nvPicPr>
+        <p:blipFill rotWithShape="1">
+          <a:blip r:embed="rId2">
+            <a:extLst>
+              <a:ext uri="{28A0092B-C50C-407E-A947-70E740481C1C}">
+                <a14:useLocalDpi xmlns:a14="http://schemas.microsoft.com/office/drawing/2010/main" val="0"/>
+              </a:ext>
+            </a:extLst>
+          </a:blip>
+          <a:srcRect l="5073" t="2753" r="4145" b="3081"/>
+          <a:stretch/>
+        </p:blipFill>
+        <p:spPr bwMode="auto">
+          <a:xfrm>
+            <a:off x="334965" y="1665288"/>
+            <a:ext cx="873903" cy="906462"/>
+          </a:xfrm>
+          <a:prstGeom prst="rect">
+            <a:avLst/>
+          </a:prstGeom>
+          <a:noFill/>
+          <a:extLst>
+            <a:ext uri="{909E8E84-426E-40DD-AFC4-6F175D3DCCD1}">
+              <a14:hiddenFill xmlns:a14="http://schemas.microsoft.com/office/drawing/2010/main">
+                <a:solidFill>
+                  <a:srgbClr val="FFFFFF"/>
+                </a:solidFill>
+              </a14:hiddenFill>
+            </a:ext>
+          </a:extLst>
+        </p:spPr>
+      </p:pic>
+      <p:pic>
+        <p:nvPicPr>
+          <p:cNvPr id="1028" name="Picture 4" descr="backoffice vector icon. vector filled flat symbol for mobile concept and  web design. Black filled glyph icon. Isolated sign, logo illustration.  Vector graphics. Stock-Vektorgrafik | Adobe Stock">
+            <a:extLst>
+              <a:ext uri="{FF2B5EF4-FFF2-40B4-BE49-F238E27FC236}">
+                <a16:creationId xmlns:a16="http://schemas.microsoft.com/office/drawing/2014/main" id="{C4702702-2E15-5A6D-4C10-6B05B5B8B54E}"/>
+              </a:ext>
+            </a:extLst>
+          </p:cNvPr>
+          <p:cNvPicPr>
+            <a:picLocks noChangeAspect="1" noChangeArrowheads="1"/>
+          </p:cNvPicPr>
+          <p:nvPr/>
+        </p:nvPicPr>
+        <p:blipFill rotWithShape="1">
+          <a:blip r:embed="rId3">
+            <a:extLst>
+              <a:ext uri="{28A0092B-C50C-407E-A947-70E740481C1C}">
+                <a14:useLocalDpi xmlns:a14="http://schemas.microsoft.com/office/drawing/2010/main" val="0"/>
+              </a:ext>
+            </a:extLst>
+          </a:blip>
+          <a:srcRect l="20492" t="18790" r="21155" b="4945"/>
+          <a:stretch/>
+        </p:blipFill>
+        <p:spPr bwMode="auto">
+          <a:xfrm>
+            <a:off x="334965" y="3429000"/>
+            <a:ext cx="1023580" cy="1320811"/>
+          </a:xfrm>
+          <a:prstGeom prst="rect">
+            <a:avLst/>
+          </a:prstGeom>
+          <a:noFill/>
+          <a:extLst>
+            <a:ext uri="{909E8E84-426E-40DD-AFC4-6F175D3DCCD1}">
+              <a14:hiddenFill xmlns:a14="http://schemas.microsoft.com/office/drawing/2010/main">
+                <a:solidFill>
+                  <a:srgbClr val="FFFFFF"/>
+                </a:solidFill>
+              </a14:hiddenFill>
+            </a:ext>
+          </a:extLst>
+        </p:spPr>
+      </p:pic>
+      <p:grpSp>
+        <p:nvGrpSpPr>
+          <p:cNvPr id="26" name="Gruppieren 25">
+            <a:extLst>
+              <a:ext uri="{FF2B5EF4-FFF2-40B4-BE49-F238E27FC236}">
+                <a16:creationId xmlns:a16="http://schemas.microsoft.com/office/drawing/2014/main" id="{1190687F-6CA6-1E99-C290-A97D4EAB6056}"/>
+              </a:ext>
+            </a:extLst>
+          </p:cNvPr>
+          <p:cNvGrpSpPr/>
+          <p:nvPr/>
+        </p:nvGrpSpPr>
+        <p:grpSpPr>
+          <a:xfrm>
+            <a:off x="2607042" y="2571750"/>
+            <a:ext cx="1117873" cy="1379277"/>
+            <a:chOff x="3535090" y="2571750"/>
+            <a:chExt cx="1117873" cy="1379277"/>
+          </a:xfrm>
+        </p:grpSpPr>
+        <p:pic>
+          <p:nvPicPr>
+            <p:cNvPr id="1030" name="Picture 6" descr="web server - Openclipart">
+              <a:extLst>
+                <a:ext uri="{FF2B5EF4-FFF2-40B4-BE49-F238E27FC236}">
+                  <a16:creationId xmlns:a16="http://schemas.microsoft.com/office/drawing/2014/main" id="{2ADD5814-D3E2-4B15-2953-78BFAEAAFDA0}"/>
+                </a:ext>
+              </a:extLst>
+            </p:cNvPr>
+            <p:cNvPicPr>
+              <a:picLocks noChangeAspect="1" noChangeArrowheads="1"/>
+            </p:cNvPicPr>
+            <p:nvPr/>
+          </p:nvPicPr>
+          <p:blipFill>
+            <a:blip r:embed="rId4">
+              <a:extLst>
+                <a:ext uri="{28A0092B-C50C-407E-A947-70E740481C1C}">
+                  <a14:useLocalDpi xmlns:a14="http://schemas.microsoft.com/office/drawing/2010/main" val="0"/>
+                </a:ext>
+              </a:extLst>
+            </a:blip>
+            <a:srcRect/>
+            <a:stretch>
+              <a:fillRect/>
+            </a:stretch>
+          </p:blipFill>
+          <p:spPr bwMode="auto">
+            <a:xfrm>
+              <a:off x="3535090" y="2571750"/>
+              <a:ext cx="1074762" cy="1379277"/>
+            </a:xfrm>
+            <a:prstGeom prst="rect">
+              <a:avLst/>
+            </a:prstGeom>
+            <a:noFill/>
+            <a:extLst>
+              <a:ext uri="{909E8E84-426E-40DD-AFC4-6F175D3DCCD1}">
+                <a14:hiddenFill xmlns:a14="http://schemas.microsoft.com/office/drawing/2010/main">
+                  <a:solidFill>
+                    <a:srgbClr val="FFFFFF"/>
+                  </a:solidFill>
+                </a14:hiddenFill>
+              </a:ext>
+            </a:extLst>
+          </p:spPr>
+        </p:pic>
+        <p:sp>
+          <p:nvSpPr>
+            <p:cNvPr id="8" name="Rechteck 7">
+              <a:extLst>
+                <a:ext uri="{FF2B5EF4-FFF2-40B4-BE49-F238E27FC236}">
+                  <a16:creationId xmlns:a16="http://schemas.microsoft.com/office/drawing/2014/main" id="{5EA3BE2A-4CE1-C18C-483A-45DE85F1DF05}"/>
+                </a:ext>
+              </a:extLst>
+            </p:cNvPr>
+            <p:cNvSpPr/>
+            <p:nvPr/>
+          </p:nvSpPr>
+          <p:spPr>
+            <a:xfrm>
+              <a:off x="4572000" y="2571750"/>
+              <a:ext cx="80963" cy="126206"/>
+            </a:xfrm>
+            <a:prstGeom prst="rect">
+              <a:avLst/>
+            </a:prstGeom>
+            <a:noFill/>
+            <a:ln>
+              <a:noFill/>
+            </a:ln>
+          </p:spPr>
+          <p:style>
+            <a:lnRef idx="2">
+              <a:schemeClr val="accent1">
+                <a:shade val="15000"/>
+              </a:schemeClr>
+            </a:lnRef>
+            <a:fillRef idx="1">
+              <a:schemeClr val="accent1"/>
+            </a:fillRef>
+            <a:effectRef idx="0">
+              <a:schemeClr val="accent1"/>
+            </a:effectRef>
+            <a:fontRef idx="minor">
+              <a:schemeClr val="lt1"/>
+            </a:fontRef>
+          </p:style>
+          <p:txBody>
+            <a:bodyPr rtlCol="0" anchor="ctr"/>
+            <a:lstStyle/>
+            <a:p>
+              <a:pPr algn="ctr"/>
+              <a:endParaRPr lang="en-US"/>
+            </a:p>
+          </p:txBody>
+        </p:sp>
+        <p:sp>
+          <p:nvSpPr>
+            <p:cNvPr id="9" name="Rechteck 8">
+              <a:extLst>
+                <a:ext uri="{FF2B5EF4-FFF2-40B4-BE49-F238E27FC236}">
+                  <a16:creationId xmlns:a16="http://schemas.microsoft.com/office/drawing/2014/main" id="{BC915240-6448-FC65-A18E-2A7002150CE8}"/>
+                </a:ext>
+              </a:extLst>
+            </p:cNvPr>
+            <p:cNvSpPr/>
+            <p:nvPr/>
+          </p:nvSpPr>
+          <p:spPr>
+            <a:xfrm>
+              <a:off x="4569370" y="3824821"/>
+              <a:ext cx="80963" cy="126206"/>
+            </a:xfrm>
+            <a:prstGeom prst="rect">
+              <a:avLst/>
+            </a:prstGeom>
+            <a:noFill/>
+            <a:ln>
+              <a:noFill/>
+            </a:ln>
+          </p:spPr>
+          <p:style>
+            <a:lnRef idx="2">
+              <a:schemeClr val="accent1">
+                <a:shade val="15000"/>
+              </a:schemeClr>
+            </a:lnRef>
+            <a:fillRef idx="1">
+              <a:schemeClr val="accent1"/>
+            </a:fillRef>
+            <a:effectRef idx="0">
+              <a:schemeClr val="accent1"/>
+            </a:effectRef>
+            <a:fontRef idx="minor">
+              <a:schemeClr val="lt1"/>
+            </a:fontRef>
+          </p:style>
+          <p:txBody>
+            <a:bodyPr rtlCol="0" anchor="ctr"/>
+            <a:lstStyle/>
+            <a:p>
+              <a:pPr algn="ctr"/>
+              <a:endParaRPr lang="en-US"/>
+            </a:p>
+          </p:txBody>
+        </p:sp>
+        <p:sp>
+          <p:nvSpPr>
+            <p:cNvPr id="11" name="Rechteck 10">
+              <a:extLst>
+                <a:ext uri="{FF2B5EF4-FFF2-40B4-BE49-F238E27FC236}">
+                  <a16:creationId xmlns:a16="http://schemas.microsoft.com/office/drawing/2014/main" id="{31014F3C-3F60-3D08-6DEC-89A467399346}"/>
+                </a:ext>
+              </a:extLst>
+            </p:cNvPr>
+            <p:cNvSpPr/>
+            <p:nvPr/>
+          </p:nvSpPr>
+          <p:spPr>
+            <a:xfrm>
+              <a:off x="4572000" y="3191409"/>
+              <a:ext cx="80963" cy="126206"/>
+            </a:xfrm>
+            <a:prstGeom prst="rect">
+              <a:avLst/>
+            </a:prstGeom>
+            <a:noFill/>
+            <a:ln>
+              <a:noFill/>
+            </a:ln>
+          </p:spPr>
+          <p:style>
+            <a:lnRef idx="2">
+              <a:schemeClr val="accent1">
+                <a:shade val="15000"/>
+              </a:schemeClr>
+            </a:lnRef>
+            <a:fillRef idx="1">
+              <a:schemeClr val="accent1"/>
+            </a:fillRef>
+            <a:effectRef idx="0">
+              <a:schemeClr val="accent1"/>
+            </a:effectRef>
+            <a:fontRef idx="minor">
+              <a:schemeClr val="lt1"/>
+            </a:fontRef>
+          </p:style>
+          <p:txBody>
+            <a:bodyPr rtlCol="0" anchor="ctr"/>
+            <a:lstStyle/>
+            <a:p>
+              <a:pPr algn="ctr"/>
+              <a:endParaRPr lang="en-US"/>
+            </a:p>
+          </p:txBody>
+        </p:sp>
+      </p:grpSp>
+      <p:grpSp>
+        <p:nvGrpSpPr>
+          <p:cNvPr id="27" name="Gruppieren 26">
+            <a:extLst>
+              <a:ext uri="{FF2B5EF4-FFF2-40B4-BE49-F238E27FC236}">
+                <a16:creationId xmlns:a16="http://schemas.microsoft.com/office/drawing/2014/main" id="{CF16A1FD-2681-D7E8-7A64-E44D606F326B}"/>
+              </a:ext>
+            </a:extLst>
+          </p:cNvPr>
+          <p:cNvGrpSpPr/>
+          <p:nvPr/>
+        </p:nvGrpSpPr>
+        <p:grpSpPr>
+          <a:xfrm>
+            <a:off x="7978348" y="2571750"/>
+            <a:ext cx="968206" cy="1379277"/>
+            <a:chOff x="7978348" y="2571750"/>
+            <a:chExt cx="968206" cy="1379277"/>
+          </a:xfrm>
+        </p:grpSpPr>
+        <p:sp>
+          <p:nvSpPr>
+            <p:cNvPr id="6" name="Zylinder 5">
+              <a:extLst>
+                <a:ext uri="{FF2B5EF4-FFF2-40B4-BE49-F238E27FC236}">
+                  <a16:creationId xmlns:a16="http://schemas.microsoft.com/office/drawing/2014/main" id="{49B466F3-BB53-B2C3-3373-E5F7AFA2B5A2}"/>
+                </a:ext>
+              </a:extLst>
+            </p:cNvPr>
+            <p:cNvSpPr/>
+            <p:nvPr/>
+          </p:nvSpPr>
+          <p:spPr>
+            <a:xfrm>
+              <a:off x="8072651" y="2571750"/>
+              <a:ext cx="873903" cy="1379277"/>
+            </a:xfrm>
+            <a:prstGeom prst="can">
+              <a:avLst/>
+            </a:prstGeom>
+          </p:spPr>
+          <p:style>
+            <a:lnRef idx="2">
+              <a:schemeClr val="accent4">
+                <a:shade val="15000"/>
+              </a:schemeClr>
+            </a:lnRef>
+            <a:fillRef idx="1">
+              <a:schemeClr val="accent4"/>
+            </a:fillRef>
+            <a:effectRef idx="0">
+              <a:schemeClr val="accent4"/>
+            </a:effectRef>
+            <a:fontRef idx="minor">
+              <a:schemeClr val="lt1"/>
+            </a:fontRef>
+          </p:style>
+          <p:txBody>
+            <a:bodyPr rtlCol="0" anchor="ctr"/>
+            <a:lstStyle/>
+            <a:p>
+              <a:pPr algn="ctr"/>
+              <a:r>
+                <a:rPr lang="en-US" dirty="0"/>
+                <a:t>SQL</a:t>
+              </a:r>
+            </a:p>
+          </p:txBody>
+        </p:sp>
+        <p:sp>
+          <p:nvSpPr>
+            <p:cNvPr id="12" name="Rechteck 11">
+              <a:extLst>
+                <a:ext uri="{FF2B5EF4-FFF2-40B4-BE49-F238E27FC236}">
+                  <a16:creationId xmlns:a16="http://schemas.microsoft.com/office/drawing/2014/main" id="{E927C664-CCE1-11EC-2A54-6B8566CE6D57}"/>
+                </a:ext>
+              </a:extLst>
+            </p:cNvPr>
+            <p:cNvSpPr/>
+            <p:nvPr/>
+          </p:nvSpPr>
+          <p:spPr>
+            <a:xfrm>
+              <a:off x="7980978" y="2571750"/>
+              <a:ext cx="80963" cy="126206"/>
+            </a:xfrm>
+            <a:prstGeom prst="rect">
+              <a:avLst/>
+            </a:prstGeom>
+            <a:noFill/>
+            <a:ln>
+              <a:noFill/>
+            </a:ln>
+          </p:spPr>
+          <p:style>
+            <a:lnRef idx="2">
+              <a:schemeClr val="accent1">
+                <a:shade val="15000"/>
+              </a:schemeClr>
+            </a:lnRef>
+            <a:fillRef idx="1">
+              <a:schemeClr val="accent1"/>
+            </a:fillRef>
+            <a:effectRef idx="0">
+              <a:schemeClr val="accent1"/>
+            </a:effectRef>
+            <a:fontRef idx="minor">
+              <a:schemeClr val="lt1"/>
+            </a:fontRef>
+          </p:style>
+          <p:txBody>
+            <a:bodyPr rtlCol="0" anchor="ctr"/>
+            <a:lstStyle/>
+            <a:p>
+              <a:pPr algn="ctr"/>
+              <a:endParaRPr lang="en-US"/>
+            </a:p>
+          </p:txBody>
+        </p:sp>
+        <p:sp>
+          <p:nvSpPr>
+            <p:cNvPr id="13" name="Rechteck 12">
+              <a:extLst>
+                <a:ext uri="{FF2B5EF4-FFF2-40B4-BE49-F238E27FC236}">
+                  <a16:creationId xmlns:a16="http://schemas.microsoft.com/office/drawing/2014/main" id="{462A0E80-15BC-A5EE-6B34-447A1000BC72}"/>
+                </a:ext>
+              </a:extLst>
+            </p:cNvPr>
+            <p:cNvSpPr/>
+            <p:nvPr/>
+          </p:nvSpPr>
+          <p:spPr>
+            <a:xfrm>
+              <a:off x="7978348" y="3824821"/>
+              <a:ext cx="80963" cy="126206"/>
+            </a:xfrm>
+            <a:prstGeom prst="rect">
+              <a:avLst/>
+            </a:prstGeom>
+            <a:noFill/>
+            <a:ln>
+              <a:noFill/>
+            </a:ln>
+          </p:spPr>
+          <p:style>
+            <a:lnRef idx="2">
+              <a:schemeClr val="accent1">
+                <a:shade val="15000"/>
+              </a:schemeClr>
+            </a:lnRef>
+            <a:fillRef idx="1">
+              <a:schemeClr val="accent1"/>
+            </a:fillRef>
+            <a:effectRef idx="0">
+              <a:schemeClr val="accent1"/>
+            </a:effectRef>
+            <a:fontRef idx="minor">
+              <a:schemeClr val="lt1"/>
+            </a:fontRef>
+          </p:style>
+          <p:txBody>
+            <a:bodyPr rtlCol="0" anchor="ctr"/>
+            <a:lstStyle/>
+            <a:p>
+              <a:pPr algn="ctr"/>
+              <a:endParaRPr lang="en-US"/>
+            </a:p>
+          </p:txBody>
+        </p:sp>
+        <p:sp>
+          <p:nvSpPr>
+            <p:cNvPr id="14" name="Rechteck 13">
+              <a:extLst>
+                <a:ext uri="{FF2B5EF4-FFF2-40B4-BE49-F238E27FC236}">
+                  <a16:creationId xmlns:a16="http://schemas.microsoft.com/office/drawing/2014/main" id="{3F6DE8CC-010A-477A-AC6B-4AD8A53D1372}"/>
+                </a:ext>
+              </a:extLst>
+            </p:cNvPr>
+            <p:cNvSpPr/>
+            <p:nvPr/>
+          </p:nvSpPr>
+          <p:spPr>
+            <a:xfrm>
+              <a:off x="7980978" y="3191409"/>
+              <a:ext cx="80963" cy="126206"/>
+            </a:xfrm>
+            <a:prstGeom prst="rect">
+              <a:avLst/>
+            </a:prstGeom>
+            <a:noFill/>
+            <a:ln>
+              <a:noFill/>
+            </a:ln>
+          </p:spPr>
+          <p:style>
+            <a:lnRef idx="2">
+              <a:schemeClr val="accent1">
+                <a:shade val="15000"/>
+              </a:schemeClr>
+            </a:lnRef>
+            <a:fillRef idx="1">
+              <a:schemeClr val="accent1"/>
+            </a:fillRef>
+            <a:effectRef idx="0">
+              <a:schemeClr val="accent1"/>
+            </a:effectRef>
+            <a:fontRef idx="minor">
+              <a:schemeClr val="lt1"/>
+            </a:fontRef>
+          </p:style>
+          <p:txBody>
+            <a:bodyPr rtlCol="0" anchor="ctr"/>
+            <a:lstStyle/>
+            <a:p>
+              <a:pPr algn="ctr"/>
+              <a:endParaRPr lang="en-US"/>
+            </a:p>
+          </p:txBody>
+        </p:sp>
+      </p:grpSp>
+      <p:cxnSp>
+        <p:nvCxnSpPr>
+          <p:cNvPr id="16" name="Gerade Verbindung mit Pfeil 15">
+            <a:extLst>
+              <a:ext uri="{FF2B5EF4-FFF2-40B4-BE49-F238E27FC236}">
+                <a16:creationId xmlns:a16="http://schemas.microsoft.com/office/drawing/2014/main" id="{BFF62822-DC5A-C836-D7D6-A11088200D31}"/>
+              </a:ext>
+            </a:extLst>
+          </p:cNvPr>
+          <p:cNvCxnSpPr>
+            <a:stCxn id="8" idx="3"/>
+            <a:endCxn id="12" idx="1"/>
+          </p:cNvCxnSpPr>
+          <p:nvPr/>
+        </p:nvCxnSpPr>
+        <p:spPr>
+          <a:xfrm>
+            <a:off x="3724915" y="2634853"/>
+            <a:ext cx="4256063" cy="0"/>
+          </a:xfrm>
+          <a:prstGeom prst="straightConnector1">
+            <a:avLst/>
+          </a:prstGeom>
+          <a:ln w="12700">
+            <a:solidFill>
+              <a:schemeClr val="tx1"/>
+            </a:solidFill>
+            <a:headEnd type="none" w="med" len="med"/>
+            <a:tailEnd type="triangle"/>
+          </a:ln>
+        </p:spPr>
+        <p:style>
+          <a:lnRef idx="1">
+            <a:schemeClr val="accent1"/>
+          </a:lnRef>
+          <a:fillRef idx="0">
+            <a:schemeClr val="accent1"/>
+          </a:fillRef>
+          <a:effectRef idx="0">
+            <a:schemeClr val="accent1"/>
+          </a:effectRef>
+          <a:fontRef idx="minor">
+            <a:schemeClr val="tx1"/>
+          </a:fontRef>
+        </p:style>
+      </p:cxnSp>
+      <p:cxnSp>
+        <p:nvCxnSpPr>
+          <p:cNvPr id="17" name="Gerade Verbindung mit Pfeil 16">
+            <a:extLst>
+              <a:ext uri="{FF2B5EF4-FFF2-40B4-BE49-F238E27FC236}">
+                <a16:creationId xmlns:a16="http://schemas.microsoft.com/office/drawing/2014/main" id="{B0D7BFA6-19C3-77CE-7E52-4DAC75D28D2D}"/>
+              </a:ext>
+            </a:extLst>
+          </p:cNvPr>
+          <p:cNvCxnSpPr>
+            <a:cxnSpLocks/>
+            <a:stCxn id="11" idx="3"/>
+            <a:endCxn id="14" idx="1"/>
+          </p:cNvCxnSpPr>
+          <p:nvPr/>
+        </p:nvCxnSpPr>
+        <p:spPr>
+          <a:xfrm>
+            <a:off x="3724915" y="3254512"/>
+            <a:ext cx="4256063" cy="0"/>
+          </a:xfrm>
+          <a:prstGeom prst="straightConnector1">
+            <a:avLst/>
+          </a:prstGeom>
+          <a:ln w="12700">
+            <a:solidFill>
+              <a:schemeClr val="tx1"/>
+            </a:solidFill>
+            <a:headEnd type="none" w="med" len="med"/>
+            <a:tailEnd type="triangle"/>
+          </a:ln>
+        </p:spPr>
+        <p:style>
+          <a:lnRef idx="1">
+            <a:schemeClr val="accent1"/>
+          </a:lnRef>
+          <a:fillRef idx="0">
+            <a:schemeClr val="accent1"/>
+          </a:fillRef>
+          <a:effectRef idx="0">
+            <a:schemeClr val="accent1"/>
+          </a:effectRef>
+          <a:fontRef idx="minor">
+            <a:schemeClr val="tx1"/>
+          </a:fontRef>
+        </p:style>
+      </p:cxnSp>
+      <p:cxnSp>
+        <p:nvCxnSpPr>
+          <p:cNvPr id="20" name="Gerade Verbindung mit Pfeil 19">
+            <a:extLst>
+              <a:ext uri="{FF2B5EF4-FFF2-40B4-BE49-F238E27FC236}">
+                <a16:creationId xmlns:a16="http://schemas.microsoft.com/office/drawing/2014/main" id="{17B558C1-4854-42EA-B917-A97B429E12A3}"/>
+              </a:ext>
+            </a:extLst>
+          </p:cNvPr>
+          <p:cNvCxnSpPr>
+            <a:cxnSpLocks/>
+            <a:stCxn id="9" idx="3"/>
+          </p:cNvCxnSpPr>
+          <p:nvPr/>
+        </p:nvCxnSpPr>
+        <p:spPr>
+          <a:xfrm flipV="1">
+            <a:off x="3722285" y="3874170"/>
+            <a:ext cx="4242723" cy="13754"/>
+          </a:xfrm>
+          <a:prstGeom prst="straightConnector1">
+            <a:avLst/>
+          </a:prstGeom>
+          <a:ln w="12700">
+            <a:solidFill>
+              <a:schemeClr val="tx1"/>
+            </a:solidFill>
+            <a:headEnd type="none" w="med" len="med"/>
+            <a:tailEnd type="triangle"/>
+          </a:ln>
+        </p:spPr>
+        <p:style>
+          <a:lnRef idx="1">
+            <a:schemeClr val="accent1"/>
+          </a:lnRef>
+          <a:fillRef idx="0">
+            <a:schemeClr val="accent1"/>
+          </a:fillRef>
+          <a:effectRef idx="0">
+            <a:schemeClr val="accent1"/>
+          </a:effectRef>
+          <a:fontRef idx="minor">
+            <a:schemeClr val="tx1"/>
+          </a:fontRef>
+        </p:style>
+      </p:cxnSp>
+      <p:sp>
+        <p:nvSpPr>
+          <p:cNvPr id="23" name="Textfeld 22">
+            <a:extLst>
+              <a:ext uri="{FF2B5EF4-FFF2-40B4-BE49-F238E27FC236}">
+                <a16:creationId xmlns:a16="http://schemas.microsoft.com/office/drawing/2014/main" id="{120FC17E-37AC-0FB3-2667-B12E40E4091D}"/>
+              </a:ext>
+            </a:extLst>
+          </p:cNvPr>
+          <p:cNvSpPr txBox="1"/>
+          <p:nvPr/>
+        </p:nvSpPr>
+        <p:spPr>
+          <a:xfrm>
+            <a:off x="3735625" y="2316748"/>
+            <a:ext cx="4242723" cy="307777"/>
+          </a:xfrm>
+          <a:prstGeom prst="rect">
+            <a:avLst/>
+          </a:prstGeom>
+          <a:noFill/>
+        </p:spPr>
+        <p:txBody>
+          <a:bodyPr wrap="square" rtlCol="0">
+            <a:spAutoFit/>
+          </a:bodyPr>
+          <a:lstStyle/>
+          <a:p>
+            <a:pPr algn="ctr"/>
+            <a:r>
+              <a:rPr lang="en-US" sz="1400" dirty="0" err="1">
+                <a:latin typeface="Lucida Console" panose="020B0609040504020204" pitchFamily="49" charset="0"/>
+              </a:rPr>
+              <a:t>webshop.insert_order</a:t>
+            </a:r>
+            <a:endParaRPr lang="en-US" sz="1400" dirty="0">
+              <a:latin typeface="Lucida Console" panose="020B0609040504020204" pitchFamily="49" charset="0"/>
+            </a:endParaRPr>
+          </a:p>
+        </p:txBody>
+      </p:sp>
+      <p:sp>
+        <p:nvSpPr>
+          <p:cNvPr id="24" name="Textfeld 23">
+            <a:extLst>
+              <a:ext uri="{FF2B5EF4-FFF2-40B4-BE49-F238E27FC236}">
+                <a16:creationId xmlns:a16="http://schemas.microsoft.com/office/drawing/2014/main" id="{27BA4003-7B39-2668-1289-D3803DDD0D1F}"/>
+              </a:ext>
+            </a:extLst>
+          </p:cNvPr>
+          <p:cNvSpPr txBox="1"/>
+          <p:nvPr/>
+        </p:nvSpPr>
+        <p:spPr>
+          <a:xfrm>
+            <a:off x="3735625" y="2946735"/>
+            <a:ext cx="4242723" cy="307777"/>
+          </a:xfrm>
+          <a:prstGeom prst="rect">
+            <a:avLst/>
+          </a:prstGeom>
+          <a:noFill/>
+        </p:spPr>
+        <p:txBody>
+          <a:bodyPr wrap="square" rtlCol="0">
+            <a:spAutoFit/>
+          </a:bodyPr>
+          <a:lstStyle/>
+          <a:p>
+            <a:pPr algn="ctr"/>
+            <a:r>
+              <a:rPr lang="en-US" sz="1400" dirty="0" err="1">
+                <a:latin typeface="Lucida Console" panose="020B0609040504020204" pitchFamily="49" charset="0"/>
+              </a:rPr>
+              <a:t>webshop.update_order</a:t>
+            </a:r>
+            <a:endParaRPr lang="en-US" sz="1400" dirty="0">
+              <a:latin typeface="Lucida Console" panose="020B0609040504020204" pitchFamily="49" charset="0"/>
+            </a:endParaRPr>
+          </a:p>
+        </p:txBody>
+      </p:sp>
+      <p:sp>
+        <p:nvSpPr>
+          <p:cNvPr id="25" name="Textfeld 24">
+            <a:extLst>
+              <a:ext uri="{FF2B5EF4-FFF2-40B4-BE49-F238E27FC236}">
+                <a16:creationId xmlns:a16="http://schemas.microsoft.com/office/drawing/2014/main" id="{28B5EBFC-076E-B1E9-A1D0-BAD4AC891F1D}"/>
+              </a:ext>
+            </a:extLst>
+          </p:cNvPr>
+          <p:cNvSpPr txBox="1"/>
+          <p:nvPr/>
+        </p:nvSpPr>
+        <p:spPr>
+          <a:xfrm>
+            <a:off x="3735625" y="3576722"/>
+            <a:ext cx="4242723" cy="307777"/>
+          </a:xfrm>
+          <a:prstGeom prst="rect">
+            <a:avLst/>
+          </a:prstGeom>
+          <a:noFill/>
+        </p:spPr>
+        <p:txBody>
+          <a:bodyPr wrap="square" rtlCol="0">
+            <a:spAutoFit/>
+          </a:bodyPr>
+          <a:lstStyle/>
+          <a:p>
+            <a:pPr algn="ctr"/>
+            <a:r>
+              <a:rPr lang="en-US" sz="1400" dirty="0" err="1">
+                <a:latin typeface="Lucida Console" panose="020B0609040504020204" pitchFamily="49" charset="0"/>
+              </a:rPr>
+              <a:t>webshop.delete_order</a:t>
+            </a:r>
+            <a:endParaRPr lang="en-US" sz="1400" dirty="0">
+              <a:latin typeface="Lucida Console" panose="020B0609040504020204" pitchFamily="49" charset="0"/>
+            </a:endParaRPr>
+          </a:p>
+        </p:txBody>
+      </p:sp>
+      <p:cxnSp>
+        <p:nvCxnSpPr>
+          <p:cNvPr id="30" name="Verbinder: gewinkelt 29">
+            <a:extLst>
+              <a:ext uri="{FF2B5EF4-FFF2-40B4-BE49-F238E27FC236}">
+                <a16:creationId xmlns:a16="http://schemas.microsoft.com/office/drawing/2014/main" id="{1E1C9D0E-7E83-CF29-8923-1C89559DB028}"/>
+              </a:ext>
+            </a:extLst>
+          </p:cNvPr>
+          <p:cNvCxnSpPr>
+            <a:stCxn id="1026" idx="3"/>
+            <a:endCxn id="1030" idx="1"/>
+          </p:cNvCxnSpPr>
+          <p:nvPr/>
+        </p:nvCxnSpPr>
+        <p:spPr>
+          <a:xfrm>
+            <a:off x="1208868" y="2118519"/>
+            <a:ext cx="1398174" cy="1142870"/>
+          </a:xfrm>
+          <a:prstGeom prst="bentConnector3">
+            <a:avLst/>
+          </a:prstGeom>
+          <a:ln w="19050">
+            <a:solidFill>
+              <a:schemeClr val="tx1"/>
+            </a:solidFill>
+            <a:headEnd type="none" w="med" len="med"/>
+            <a:tailEnd type="triangle"/>
+          </a:ln>
+        </p:spPr>
+        <p:style>
+          <a:lnRef idx="1">
+            <a:schemeClr val="accent1"/>
+          </a:lnRef>
+          <a:fillRef idx="0">
+            <a:schemeClr val="accent1"/>
+          </a:fillRef>
+          <a:effectRef idx="0">
+            <a:schemeClr val="accent1"/>
+          </a:effectRef>
+          <a:fontRef idx="minor">
+            <a:schemeClr val="tx1"/>
+          </a:fontRef>
+        </p:style>
+      </p:cxnSp>
+      <p:cxnSp>
+        <p:nvCxnSpPr>
+          <p:cNvPr id="32" name="Verbinder: gewinkelt 31">
+            <a:extLst>
+              <a:ext uri="{FF2B5EF4-FFF2-40B4-BE49-F238E27FC236}">
+                <a16:creationId xmlns:a16="http://schemas.microsoft.com/office/drawing/2014/main" id="{A72182EF-87EF-45E1-2A22-CE50DAC523E0}"/>
+              </a:ext>
+            </a:extLst>
+          </p:cNvPr>
+          <p:cNvCxnSpPr>
+            <a:stCxn id="1028" idx="3"/>
+            <a:endCxn id="1030" idx="1"/>
+          </p:cNvCxnSpPr>
+          <p:nvPr/>
+        </p:nvCxnSpPr>
+        <p:spPr>
+          <a:xfrm flipV="1">
+            <a:off x="1358545" y="3261389"/>
+            <a:ext cx="1248497" cy="828017"/>
+          </a:xfrm>
+          <a:prstGeom prst="bentConnector3">
+            <a:avLst>
+              <a:gd name="adj1" fmla="val 43988"/>
+            </a:avLst>
+          </a:prstGeom>
+          <a:ln w="19050">
+            <a:solidFill>
+              <a:schemeClr val="tx1"/>
+            </a:solidFill>
+            <a:headEnd type="none" w="med" len="med"/>
+            <a:tailEnd type="triangle"/>
+          </a:ln>
+        </p:spPr>
+        <p:style>
+          <a:lnRef idx="1">
+            <a:schemeClr val="accent1"/>
+          </a:lnRef>
+          <a:fillRef idx="0">
+            <a:schemeClr val="accent1"/>
+          </a:fillRef>
+          <a:effectRef idx="0">
+            <a:schemeClr val="accent1"/>
+          </a:effectRef>
+          <a:fontRef idx="minor">
+            <a:schemeClr val="tx1"/>
+          </a:fontRef>
+        </p:style>
+      </p:cxnSp>
+      <p:pic>
+        <p:nvPicPr>
+          <p:cNvPr id="1032" name="Picture 8" descr="Microsoft SQL Server Agent im Data Warehouse Umfeld">
+            <a:extLst>
+              <a:ext uri="{FF2B5EF4-FFF2-40B4-BE49-F238E27FC236}">
+                <a16:creationId xmlns:a16="http://schemas.microsoft.com/office/drawing/2014/main" id="{E49690CA-FF87-AB7A-FC91-DBAB21C0C42C}"/>
+              </a:ext>
+            </a:extLst>
+          </p:cNvPr>
+          <p:cNvPicPr>
+            <a:picLocks noChangeAspect="1" noChangeArrowheads="1"/>
+          </p:cNvPicPr>
+          <p:nvPr/>
+        </p:nvPicPr>
+        <p:blipFill rotWithShape="1">
+          <a:blip r:embed="rId5">
+            <a:extLst>
+              <a:ext uri="{28A0092B-C50C-407E-A947-70E740481C1C}">
+                <a14:useLocalDpi xmlns:a14="http://schemas.microsoft.com/office/drawing/2010/main" val="0"/>
+              </a:ext>
+            </a:extLst>
+          </a:blip>
+          <a:srcRect l="25447" r="31905"/>
+          <a:stretch/>
+        </p:blipFill>
+        <p:spPr bwMode="auto">
+          <a:xfrm>
+            <a:off x="9372600" y="4158444"/>
+            <a:ext cx="1442113" cy="1352550"/>
+          </a:xfrm>
+          <a:prstGeom prst="rect">
+            <a:avLst/>
+          </a:prstGeom>
+          <a:noFill/>
+          <a:extLst>
+            <a:ext uri="{909E8E84-426E-40DD-AFC4-6F175D3DCCD1}">
+              <a14:hiddenFill xmlns:a14="http://schemas.microsoft.com/office/drawing/2010/main">
+                <a:solidFill>
+                  <a:srgbClr val="FFFFFF"/>
+                </a:solidFill>
+              </a14:hiddenFill>
+            </a:ext>
+          </a:extLst>
+        </p:spPr>
+      </p:pic>
+      <p:sp>
+        <p:nvSpPr>
+          <p:cNvPr id="34" name="Textfeld 33">
+            <a:extLst>
+              <a:ext uri="{FF2B5EF4-FFF2-40B4-BE49-F238E27FC236}">
+                <a16:creationId xmlns:a16="http://schemas.microsoft.com/office/drawing/2014/main" id="{4F690970-2A06-B07B-6B2C-D2482B37E1A8}"/>
+              </a:ext>
+            </a:extLst>
+          </p:cNvPr>
+          <p:cNvSpPr txBox="1"/>
+          <p:nvPr/>
+        </p:nvSpPr>
+        <p:spPr>
+          <a:xfrm>
+            <a:off x="9372600" y="5575110"/>
+            <a:ext cx="1442113" cy="369332"/>
+          </a:xfrm>
+          <a:prstGeom prst="rect">
+            <a:avLst/>
+          </a:prstGeom>
+          <a:noFill/>
+        </p:spPr>
+        <p:txBody>
+          <a:bodyPr wrap="square" rtlCol="0">
+            <a:spAutoFit/>
+          </a:bodyPr>
+          <a:lstStyle/>
+          <a:p>
+            <a:pPr algn="ctr"/>
+            <a:r>
+              <a:rPr lang="en-US" dirty="0"/>
+              <a:t>Job Server</a:t>
+            </a:r>
+          </a:p>
+        </p:txBody>
+      </p:sp>
+      <p:graphicFrame>
+        <p:nvGraphicFramePr>
+          <p:cNvPr id="35" name="Tabelle 34">
+            <a:extLst>
+              <a:ext uri="{FF2B5EF4-FFF2-40B4-BE49-F238E27FC236}">
+                <a16:creationId xmlns:a16="http://schemas.microsoft.com/office/drawing/2014/main" id="{E5233D8E-CE11-6A7F-A6BC-B66825FD44EC}"/>
+              </a:ext>
+            </a:extLst>
+          </p:cNvPr>
+          <p:cNvGraphicFramePr>
+            <a:graphicFrameLocks noGrp="1"/>
+          </p:cNvGraphicFramePr>
+          <p:nvPr>
+            <p:extLst>
+              <p:ext uri="{D42A27DB-BD31-4B8C-83A1-F6EECF244321}">
+                <p14:modId xmlns:p14="http://schemas.microsoft.com/office/powerpoint/2010/main" val="1820352475"/>
+              </p:ext>
+            </p:extLst>
+          </p:nvPr>
+        </p:nvGraphicFramePr>
+        <p:xfrm>
+          <a:off x="9372600" y="2568325"/>
+          <a:ext cx="2484438" cy="1352550"/>
+        </p:xfrm>
+        <a:graphic>
+          <a:graphicData uri="http://schemas.openxmlformats.org/drawingml/2006/table">
+            <a:tbl>
+              <a:tblPr>
+                <a:tableStyleId>{5C22544A-7EE6-4342-B048-85BDC9FD1C3A}</a:tableStyleId>
+              </a:tblPr>
+              <a:tblGrid>
+                <a:gridCol w="2484438">
+                  <a:extLst>
+                    <a:ext uri="{9D8B030D-6E8A-4147-A177-3AD203B41FA5}">
+                      <a16:colId xmlns:a16="http://schemas.microsoft.com/office/drawing/2014/main" val="2795893339"/>
+                    </a:ext>
+                  </a:extLst>
+                </a:gridCol>
+              </a:tblGrid>
+              <a:tr h="450850">
+                <a:tc>
+                  <a:txBody>
+                    <a:bodyPr/>
+                    <a:lstStyle/>
+                    <a:p>
+                      <a:r>
+                        <a:rPr lang="en-US" sz="1400" dirty="0" err="1">
+                          <a:latin typeface="Lucida Console" panose="020B0609040504020204" pitchFamily="49" charset="0"/>
+                        </a:rPr>
+                        <a:t>webshop.customers</a:t>
+                      </a:r>
+                      <a:endParaRPr lang="en-US" sz="1400" dirty="0">
+                        <a:latin typeface="Lucida Console" panose="020B0609040504020204" pitchFamily="49" charset="0"/>
+                      </a:endParaRPr>
+                    </a:p>
+                  </a:txBody>
+                  <a:tcPr/>
+                </a:tc>
+                <a:extLst>
+                  <a:ext uri="{0D108BD9-81ED-4DB2-BD59-A6C34878D82A}">
+                    <a16:rowId xmlns:a16="http://schemas.microsoft.com/office/drawing/2014/main" val="1176011783"/>
+                  </a:ext>
+                </a:extLst>
+              </a:tr>
+              <a:tr h="450850">
+                <a:tc>
+                  <a:txBody>
+                    <a:bodyPr/>
+                    <a:lstStyle/>
+                    <a:p>
+                      <a:r>
+                        <a:rPr lang="en-US" sz="1400" dirty="0" err="1">
+                          <a:latin typeface="Lucida Console" panose="020B0609040504020204" pitchFamily="49" charset="0"/>
+                        </a:rPr>
+                        <a:t>webshop.orders</a:t>
+                      </a:r>
+                      <a:endParaRPr lang="en-US" sz="1400" dirty="0">
+                        <a:latin typeface="Lucida Console" panose="020B0609040504020204" pitchFamily="49" charset="0"/>
+                      </a:endParaRPr>
+                    </a:p>
+                  </a:txBody>
+                  <a:tcPr/>
+                </a:tc>
+                <a:extLst>
+                  <a:ext uri="{0D108BD9-81ED-4DB2-BD59-A6C34878D82A}">
+                    <a16:rowId xmlns:a16="http://schemas.microsoft.com/office/drawing/2014/main" val="3354992137"/>
+                  </a:ext>
+                </a:extLst>
+              </a:tr>
+              <a:tr h="450850">
+                <a:tc>
+                  <a:txBody>
+                    <a:bodyPr/>
+                    <a:lstStyle/>
+                    <a:p>
+                      <a:pPr marL="0" marR="0" lvl="0" indent="0" algn="l" defTabSz="914332" rtl="0" eaLnBrk="1" fontAlgn="auto" latinLnBrk="0" hangingPunct="1">
+                        <a:lnSpc>
+                          <a:spcPct val="100000"/>
+                        </a:lnSpc>
+                        <a:spcBef>
+                          <a:spcPts val="0"/>
+                        </a:spcBef>
+                        <a:spcAft>
+                          <a:spcPts val="0"/>
+                        </a:spcAft>
+                        <a:buClrTx/>
+                        <a:buSzTx/>
+                        <a:buFontTx/>
+                        <a:buNone/>
+                        <a:tabLst/>
+                        <a:defRPr/>
+                      </a:pPr>
+                      <a:r>
+                        <a:rPr lang="en-US" sz="1400" dirty="0" err="1">
+                          <a:latin typeface="Lucida Console" panose="020B0609040504020204" pitchFamily="49" charset="0"/>
+                        </a:rPr>
+                        <a:t>webshop.lineitems</a:t>
+                      </a:r>
+                      <a:endParaRPr lang="en-US" sz="1400" dirty="0">
+                        <a:latin typeface="Lucida Console" panose="020B0609040504020204" pitchFamily="49" charset="0"/>
+                      </a:endParaRPr>
+                    </a:p>
+                  </a:txBody>
+                  <a:tcPr/>
+                </a:tc>
+                <a:extLst>
+                  <a:ext uri="{0D108BD9-81ED-4DB2-BD59-A6C34878D82A}">
+                    <a16:rowId xmlns:a16="http://schemas.microsoft.com/office/drawing/2014/main" val="2073885871"/>
+                  </a:ext>
+                </a:extLst>
+              </a:tr>
+            </a:tbl>
+          </a:graphicData>
+        </a:graphic>
+      </p:graphicFrame>
+    </p:spTree>
+    <p:extLst>
+      <p:ext uri="{BB962C8B-B14F-4D97-AF65-F5344CB8AC3E}">
+        <p14:creationId xmlns:p14="http://schemas.microsoft.com/office/powerpoint/2010/main" val="197504835"/>
       </p:ext>
     </p:extLst>
   </p:cSld>
